--- a/aulas/t/SOP-T2-JAV.pptx
+++ b/aulas/t/SOP-T2-JAV.pptx
@@ -5,10 +5,10 @@
     <p:sldMasterId id="2147483648" r:id="rId1"/>
   </p:sldMasterIdLst>
   <p:notesMasterIdLst>
-    <p:notesMasterId r:id="rId10"/>
+    <p:notesMasterId r:id="rId12"/>
   </p:notesMasterIdLst>
   <p:handoutMasterIdLst>
-    <p:handoutMasterId r:id="rId11"/>
+    <p:handoutMasterId r:id="rId13"/>
   </p:handoutMasterIdLst>
   <p:sldIdLst>
     <p:sldId id="256" r:id="rId2"/>
@@ -17,8 +17,10 @@
     <p:sldId id="380" r:id="rId5"/>
     <p:sldId id="382" r:id="rId6"/>
     <p:sldId id="381" r:id="rId7"/>
-    <p:sldId id="383" r:id="rId8"/>
-    <p:sldId id="378" r:id="rId9"/>
+    <p:sldId id="385" r:id="rId8"/>
+    <p:sldId id="383" r:id="rId9"/>
+    <p:sldId id="384" r:id="rId10"/>
+    <p:sldId id="378" r:id="rId11"/>
   </p:sldIdLst>
   <p:sldSz cx="9144000" cy="5715000" type="screen16x10"/>
   <p:notesSz cx="7099300" cy="10234613"/>
@@ -946,6 +948,97 @@
 </p:notes>
 </file>
 
+<file path=ppt/notesSlides/notesSlide10.xml><?xml version="1.0" encoding="utf-8"?>
+<p:notes xmlns:a="http://schemas.openxmlformats.org/drawingml/2006/main" xmlns:r="http://schemas.openxmlformats.org/officeDocument/2006/relationships" xmlns:p="http://schemas.openxmlformats.org/presentationml/2006/main">
+  <p:cSld>
+    <p:spTree>
+      <p:nvGrpSpPr>
+        <p:cNvPr id="1" name=""/>
+        <p:cNvGrpSpPr/>
+        <p:nvPr/>
+      </p:nvGrpSpPr>
+      <p:grpSpPr>
+        <a:xfrm>
+          <a:off x="0" y="0"/>
+          <a:ext cx="0" cy="0"/>
+          <a:chOff x="0" y="0"/>
+          <a:chExt cx="0" cy="0"/>
+        </a:xfrm>
+      </p:grpSpPr>
+      <p:sp>
+        <p:nvSpPr>
+          <p:cNvPr id="7" name="Rectangle 7"/>
+          <p:cNvSpPr>
+            <a:spLocks noGrp="1" noChangeArrowheads="1"/>
+          </p:cNvSpPr>
+          <p:nvPr>
+            <p:ph type="sldNum" sz="quarter" idx="5"/>
+          </p:nvPr>
+        </p:nvSpPr>
+        <p:spPr>
+          <a:ln/>
+        </p:spPr>
+        <p:txBody>
+          <a:bodyPr/>
+          <a:lstStyle/>
+          <a:p>
+            <a:fld id="{FD2305D1-531D-4CEF-BD3D-05CF1AF8F416}" type="slidenum">
+              <a:rPr lang="en-GB"/>
+              <a:pPr/>
+              <a:t>10</a:t>
+            </a:fld>
+            <a:endParaRPr lang="en-GB" dirty="0"/>
+          </a:p>
+        </p:txBody>
+      </p:sp>
+      <p:sp>
+        <p:nvSpPr>
+          <p:cNvPr id="312322" name="Rectangle 2"/>
+          <p:cNvSpPr>
+            <a:spLocks noGrp="1" noRot="1" noChangeAspect="1" noChangeArrowheads="1" noTextEdit="1"/>
+          </p:cNvSpPr>
+          <p:nvPr>
+            <p:ph type="sldImg"/>
+          </p:nvPr>
+        </p:nvSpPr>
+        <p:spPr>
+          <a:xfrm>
+            <a:off x="477838" y="766763"/>
+            <a:ext cx="6145212" cy="3840162"/>
+          </a:xfrm>
+          <a:ln/>
+        </p:spPr>
+      </p:sp>
+      <p:sp>
+        <p:nvSpPr>
+          <p:cNvPr id="312323" name="Rectangle 3"/>
+          <p:cNvSpPr>
+            <a:spLocks noGrp="1" noChangeArrowheads="1"/>
+          </p:cNvSpPr>
+          <p:nvPr>
+            <p:ph type="body" idx="1"/>
+          </p:nvPr>
+        </p:nvSpPr>
+        <p:spPr/>
+        <p:txBody>
+          <a:bodyPr/>
+          <a:lstStyle/>
+          <a:p>
+            <a:r>
+              <a:rPr lang="en-GB" dirty="0"/>
+              <a:t>Ready for the demo</a:t>
+            </a:r>
+          </a:p>
+        </p:txBody>
+      </p:sp>
+    </p:spTree>
+  </p:cSld>
+  <p:clrMapOvr>
+    <a:masterClrMapping/>
+  </p:clrMapOvr>
+</p:notes>
+</file>
+
 <file path=ppt/notesSlides/notesSlide2.xml><?xml version="1.0" encoding="utf-8"?>
 <p:notes xmlns:a="http://schemas.openxmlformats.org/drawingml/2006/main" xmlns:r="http://schemas.openxmlformats.org/officeDocument/2006/relationships" xmlns:p="http://schemas.openxmlformats.org/presentationml/2006/main">
   <p:cSld>
@@ -1544,7 +1637,7 @@
     </p:spTree>
     <p:extLst>
       <p:ext uri="{BB962C8B-B14F-4D97-AF65-F5344CB8AC3E}">
-        <p14:creationId xmlns:p14="http://schemas.microsoft.com/office/powerpoint/2010/main" val="2511314399"/>
+        <p14:creationId xmlns:p14="http://schemas.microsoft.com/office/powerpoint/2010/main" val="931516892"/>
       </p:ext>
     </p:extLst>
   </p:cSld>
@@ -1588,7 +1681,7 @@
           <a:bodyPr/>
           <a:lstStyle/>
           <a:p>
-            <a:fld id="{FD2305D1-531D-4CEF-BD3D-05CF1AF8F416}" type="slidenum">
+            <a:fld id="{8E79CF69-099A-4323-ABAD-2A1E82F62D20}" type="slidenum">
               <a:rPr lang="en-GB"/>
               <a:pPr/>
               <a:t>8</a:t>
@@ -1599,7 +1692,7 @@
       </p:sp>
       <p:sp>
         <p:nvSpPr>
-          <p:cNvPr id="312322" name="Rectangle 2"/>
+          <p:cNvPr id="149506" name="Rectangle 2"/>
           <p:cNvSpPr>
             <a:spLocks noGrp="1" noRot="1" noChangeAspect="1" noChangeArrowheads="1" noTextEdit="1"/>
           </p:cNvSpPr>
@@ -1617,7 +1710,7 @@
       </p:sp>
       <p:sp>
         <p:nvSpPr>
-          <p:cNvPr id="312323" name="Rectangle 3"/>
+          <p:cNvPr id="149507" name="Rectangle 3"/>
           <p:cNvSpPr>
             <a:spLocks noGrp="1" noChangeArrowheads="1"/>
           </p:cNvSpPr>
@@ -1631,13 +1724,132 @@
           <a:lstStyle/>
           <a:p>
             <a:r>
+              <a:rPr lang="en-GB" dirty="0" err="1"/>
+              <a:t>programa</a:t>
+            </a:r>
+            <a:r>
               <a:rPr lang="en-GB" dirty="0"/>
-              <a:t>Ready for the demo</a:t>
-            </a:r>
+              <a:t> Linux </a:t>
+            </a:r>
+            <a:r>
+              <a:rPr lang="en-GB" dirty="0" err="1"/>
+              <a:t>htop</a:t>
+            </a:r>
+            <a:endParaRPr lang="en-GB" dirty="0"/>
           </a:p>
         </p:txBody>
       </p:sp>
     </p:spTree>
+    <p:extLst>
+      <p:ext uri="{BB962C8B-B14F-4D97-AF65-F5344CB8AC3E}">
+        <p14:creationId xmlns:p14="http://schemas.microsoft.com/office/powerpoint/2010/main" val="2511314399"/>
+      </p:ext>
+    </p:extLst>
+  </p:cSld>
+  <p:clrMapOvr>
+    <a:masterClrMapping/>
+  </p:clrMapOvr>
+</p:notes>
+</file>
+
+<file path=ppt/notesSlides/notesSlide9.xml><?xml version="1.0" encoding="utf-8"?>
+<p:notes xmlns:a="http://schemas.openxmlformats.org/drawingml/2006/main" xmlns:r="http://schemas.openxmlformats.org/officeDocument/2006/relationships" xmlns:p="http://schemas.openxmlformats.org/presentationml/2006/main">
+  <p:cSld>
+    <p:spTree>
+      <p:nvGrpSpPr>
+        <p:cNvPr id="1" name=""/>
+        <p:cNvGrpSpPr/>
+        <p:nvPr/>
+      </p:nvGrpSpPr>
+      <p:grpSpPr>
+        <a:xfrm>
+          <a:off x="0" y="0"/>
+          <a:ext cx="0" cy="0"/>
+          <a:chOff x="0" y="0"/>
+          <a:chExt cx="0" cy="0"/>
+        </a:xfrm>
+      </p:grpSpPr>
+      <p:sp>
+        <p:nvSpPr>
+          <p:cNvPr id="7" name="Rectangle 7"/>
+          <p:cNvSpPr>
+            <a:spLocks noGrp="1" noChangeArrowheads="1"/>
+          </p:cNvSpPr>
+          <p:nvPr>
+            <p:ph type="sldNum" sz="quarter" idx="5"/>
+          </p:nvPr>
+        </p:nvSpPr>
+        <p:spPr>
+          <a:ln/>
+        </p:spPr>
+        <p:txBody>
+          <a:bodyPr/>
+          <a:lstStyle/>
+          <a:p>
+            <a:fld id="{8E79CF69-099A-4323-ABAD-2A1E82F62D20}" type="slidenum">
+              <a:rPr lang="en-GB"/>
+              <a:pPr/>
+              <a:t>9</a:t>
+            </a:fld>
+            <a:endParaRPr lang="en-GB" dirty="0"/>
+          </a:p>
+        </p:txBody>
+      </p:sp>
+      <p:sp>
+        <p:nvSpPr>
+          <p:cNvPr id="149506" name="Rectangle 2"/>
+          <p:cNvSpPr>
+            <a:spLocks noGrp="1" noRot="1" noChangeAspect="1" noChangeArrowheads="1" noTextEdit="1"/>
+          </p:cNvSpPr>
+          <p:nvPr>
+            <p:ph type="sldImg"/>
+          </p:nvPr>
+        </p:nvSpPr>
+        <p:spPr>
+          <a:xfrm>
+            <a:off x="477838" y="766763"/>
+            <a:ext cx="6145212" cy="3840162"/>
+          </a:xfrm>
+          <a:ln/>
+        </p:spPr>
+      </p:sp>
+      <p:sp>
+        <p:nvSpPr>
+          <p:cNvPr id="149507" name="Rectangle 3"/>
+          <p:cNvSpPr>
+            <a:spLocks noGrp="1" noChangeArrowheads="1"/>
+          </p:cNvSpPr>
+          <p:nvPr>
+            <p:ph type="body" idx="1"/>
+          </p:nvPr>
+        </p:nvSpPr>
+        <p:spPr/>
+        <p:txBody>
+          <a:bodyPr/>
+          <a:lstStyle/>
+          <a:p>
+            <a:r>
+              <a:rPr lang="en-GB" dirty="0" err="1"/>
+              <a:t>programa</a:t>
+            </a:r>
+            <a:r>
+              <a:rPr lang="en-GB" dirty="0"/>
+              <a:t> Linux </a:t>
+            </a:r>
+            <a:r>
+              <a:rPr lang="en-GB" dirty="0" err="1"/>
+              <a:t>htop</a:t>
+            </a:r>
+            <a:endParaRPr lang="en-GB" dirty="0"/>
+          </a:p>
+        </p:txBody>
+      </p:sp>
+    </p:spTree>
+    <p:extLst>
+      <p:ext uri="{BB962C8B-B14F-4D97-AF65-F5344CB8AC3E}">
+        <p14:creationId xmlns:p14="http://schemas.microsoft.com/office/powerpoint/2010/main" val="2669176576"/>
+      </p:ext>
+    </p:extLst>
   </p:cSld>
   <p:clrMapOvr>
     <a:masterClrMapping/>
@@ -4822,6 +5034,481 @@
     </p:tnLst>
     <p:bldLst>
       <p:bldP spid="12" grpId="0"/>
+    </p:bldLst>
+  </p:timing>
+</p:sld>
+</file>
+
+<file path=ppt/slides/slide10.xml><?xml version="1.0" encoding="utf-8"?>
+<p:sld xmlns:a="http://schemas.openxmlformats.org/drawingml/2006/main" xmlns:r="http://schemas.openxmlformats.org/officeDocument/2006/relationships" xmlns:p="http://schemas.openxmlformats.org/presentationml/2006/main">
+  <p:cSld>
+    <p:spTree>
+      <p:nvGrpSpPr>
+        <p:cNvPr id="1" name=""/>
+        <p:cNvGrpSpPr/>
+        <p:nvPr/>
+      </p:nvGrpSpPr>
+      <p:grpSpPr>
+        <a:xfrm>
+          <a:off x="0" y="0"/>
+          <a:ext cx="0" cy="0"/>
+          <a:chOff x="0" y="0"/>
+          <a:chExt cx="0" cy="0"/>
+        </a:xfrm>
+      </p:grpSpPr>
+      <p:sp>
+        <p:nvSpPr>
+          <p:cNvPr id="311298" name="Rectangle 2"/>
+          <p:cNvSpPr>
+            <a:spLocks noGrp="1" noChangeArrowheads="1"/>
+          </p:cNvSpPr>
+          <p:nvPr>
+            <p:ph type="title" idx="4294967295"/>
+          </p:nvPr>
+        </p:nvSpPr>
+        <p:spPr bwMode="auto">
+          <a:xfrm>
+            <a:off x="3006330" y="193204"/>
+            <a:ext cx="5310086" cy="420688"/>
+          </a:xfrm>
+          <a:prstGeom prst="rect">
+            <a:avLst/>
+          </a:prstGeom>
+          <a:noFill/>
+          <a:ln>
+            <a:miter lim="800000"/>
+            <a:headEnd/>
+            <a:tailEnd/>
+          </a:ln>
+        </p:spPr>
+        <p:txBody>
+          <a:bodyPr vert="horz" wrap="square" lIns="71323" tIns="35662" rIns="71323" bIns="35662" numCol="1" anchor="t" anchorCtr="0" compatLnSpc="1">
+            <a:prstTxWarp prst="textNoShape">
+              <a:avLst/>
+            </a:prstTxWarp>
+          </a:bodyPr>
+          <a:lstStyle/>
+          <a:p>
+            <a:pPr algn="r"/>
+            <a:br>
+              <a:rPr lang="pt-PT" sz="1000" b="1" i="1" dirty="0">
+                <a:solidFill>
+                  <a:srgbClr val="FF0000"/>
+                </a:solidFill>
+                <a:latin typeface="Arial" charset="0"/>
+              </a:rPr>
+            </a:br>
+            <a:r>
+              <a:rPr lang="pt-PT" sz="1800" b="1" i="1" dirty="0">
+                <a:solidFill>
+                  <a:srgbClr val="FF0000"/>
+                </a:solidFill>
+                <a:latin typeface="Arial" charset="0"/>
+              </a:rPr>
+              <a:t>T</a:t>
+            </a:r>
+            <a:r>
+              <a:rPr lang="pt-PT" sz="1600" b="1" i="1" dirty="0">
+                <a:solidFill>
+                  <a:srgbClr val="FF0000"/>
+                </a:solidFill>
+                <a:latin typeface="Arial" charset="0"/>
+              </a:rPr>
+              <a:t>ESTE </a:t>
+            </a:r>
+            <a:r>
+              <a:rPr lang="pt-PT" sz="1800" b="1" i="1" dirty="0">
+                <a:solidFill>
+                  <a:srgbClr val="FF0000"/>
+                </a:solidFill>
+                <a:latin typeface="Arial" charset="0"/>
+              </a:rPr>
+              <a:t>T</a:t>
+            </a:r>
+            <a:r>
+              <a:rPr lang="pt-PT" sz="1600" b="1" i="1" dirty="0">
+                <a:solidFill>
+                  <a:srgbClr val="FF0000"/>
+                </a:solidFill>
+                <a:latin typeface="Arial" charset="0"/>
+              </a:rPr>
+              <a:t>EÓRICO </a:t>
+            </a:r>
+            <a:r>
+              <a:rPr lang="pt-PT" sz="1800" b="1" i="1" dirty="0">
+                <a:solidFill>
+                  <a:srgbClr val="FF0000"/>
+                </a:solidFill>
+                <a:latin typeface="Arial" charset="0"/>
+              </a:rPr>
+              <a:t>O</a:t>
+            </a:r>
+            <a:r>
+              <a:rPr lang="pt-PT" sz="1600" b="1" i="1" dirty="0">
+                <a:solidFill>
+                  <a:srgbClr val="FF0000"/>
+                </a:solidFill>
+                <a:latin typeface="Arial" charset="0"/>
+              </a:rPr>
+              <a:t>NLINE</a:t>
+            </a:r>
+            <a:endParaRPr lang="en-GB" sz="1600" b="1" i="1" dirty="0">
+              <a:solidFill>
+                <a:srgbClr val="FF0000"/>
+              </a:solidFill>
+              <a:latin typeface="Arial" charset="0"/>
+            </a:endParaRPr>
+          </a:p>
+        </p:txBody>
+      </p:sp>
+      <p:sp>
+        <p:nvSpPr>
+          <p:cNvPr id="5" name="Rectangle 3"/>
+          <p:cNvSpPr>
+            <a:spLocks noChangeArrowheads="1"/>
+          </p:cNvSpPr>
+          <p:nvPr/>
+        </p:nvSpPr>
+        <p:spPr bwMode="auto">
+          <a:xfrm>
+            <a:off x="540000" y="900000"/>
+            <a:ext cx="8064448" cy="3568914"/>
+          </a:xfrm>
+          <a:prstGeom prst="rect">
+            <a:avLst/>
+          </a:prstGeom>
+          <a:noFill/>
+          <a:ln w="9525">
+            <a:noFill/>
+            <a:miter lim="800000"/>
+            <a:headEnd/>
+            <a:tailEnd/>
+          </a:ln>
+          <a:effectLst/>
+        </p:spPr>
+        <p:txBody>
+          <a:bodyPr wrap="square" lIns="62408" tIns="31204" rIns="62408" bIns="31204">
+            <a:spAutoFit/>
+          </a:bodyPr>
+          <a:lstStyle/>
+          <a:p>
+            <a:pPr algn="l" defTabSz="704085">
+              <a:lnSpc>
+                <a:spcPct val="120000"/>
+              </a:lnSpc>
+            </a:pPr>
+            <a:r>
+              <a:rPr lang="pt-PT" sz="2000" b="0" i="0" dirty="0"/>
+              <a:t>Questionário online em:</a:t>
+            </a:r>
+          </a:p>
+          <a:p>
+            <a:pPr marL="357188" lvl="1" indent="-177800" algn="l" defTabSz="704085">
+              <a:lnSpc>
+                <a:spcPct val="120000"/>
+              </a:lnSpc>
+              <a:buFont typeface="Wingdings" pitchFamily="2" charset="2"/>
+              <a:buChar char="Ø"/>
+            </a:pPr>
+            <a:r>
+              <a:rPr lang="pt-PT" sz="2800" i="0" dirty="0"/>
+              <a:t>http://moodle.utad.pt/</a:t>
+            </a:r>
+            <a:endParaRPr lang="pt-PT" sz="2800" b="0" i="0" dirty="0"/>
+          </a:p>
+          <a:p>
+            <a:pPr marL="357188" lvl="1" indent="-177800" algn="l" defTabSz="704085">
+              <a:lnSpc>
+                <a:spcPct val="120000"/>
+              </a:lnSpc>
+              <a:buFont typeface="Wingdings" pitchFamily="2" charset="2"/>
+              <a:buChar char="Ø"/>
+            </a:pPr>
+            <a:r>
+              <a:rPr lang="pt-PT" sz="2800" b="0" i="0" dirty="0"/>
+              <a:t>UC: </a:t>
+            </a:r>
+            <a:r>
+              <a:rPr lang="pt-PT" sz="2800" i="0" dirty="0"/>
+              <a:t>Sistemas Operativos</a:t>
+            </a:r>
+          </a:p>
+          <a:p>
+            <a:pPr marL="357188" lvl="1" indent="-177800" algn="l" defTabSz="704085">
+              <a:lnSpc>
+                <a:spcPct val="120000"/>
+              </a:lnSpc>
+              <a:buFont typeface="Wingdings" pitchFamily="2" charset="2"/>
+              <a:buChar char="Ø"/>
+            </a:pPr>
+            <a:r>
+              <a:rPr lang="pt-PT" sz="2800" b="0" i="0" dirty="0"/>
+              <a:t>Password Geral: </a:t>
+            </a:r>
+            <a:r>
+              <a:rPr lang="pt-PT" sz="2800" i="0" dirty="0"/>
+              <a:t>so2223</a:t>
+            </a:r>
+          </a:p>
+          <a:p>
+            <a:pPr marL="357188" lvl="1" indent="-177800" algn="l" defTabSz="704085">
+              <a:lnSpc>
+                <a:spcPct val="120000"/>
+              </a:lnSpc>
+              <a:buFont typeface="Wingdings" pitchFamily="2" charset="2"/>
+              <a:buChar char="Ø"/>
+            </a:pPr>
+            <a:r>
+              <a:rPr lang="pt-PT" sz="2800" b="0" i="0" dirty="0">
+                <a:solidFill>
+                  <a:srgbClr val="FF0000"/>
+                </a:solidFill>
+              </a:rPr>
+              <a:t>Não conta para nota final.</a:t>
+            </a:r>
+            <a:endParaRPr lang="en-GB" sz="2800" i="0" dirty="0"/>
+          </a:p>
+          <a:p>
+            <a:pPr marL="450850" lvl="1" indent="-271463" algn="l" defTabSz="704085">
+              <a:lnSpc>
+                <a:spcPct val="120000"/>
+              </a:lnSpc>
+              <a:buFont typeface="Wingdings" pitchFamily="2" charset="2"/>
+              <a:buChar char="Ø"/>
+            </a:pPr>
+            <a:r>
+              <a:rPr lang="pt-PT" sz="2000" b="0" i="0" dirty="0"/>
+              <a:t>1 conjunto de 3 questões (em 6 possíveis);</a:t>
+            </a:r>
+          </a:p>
+          <a:p>
+            <a:pPr marL="450850" lvl="1" indent="-271463" algn="l" defTabSz="704085">
+              <a:lnSpc>
+                <a:spcPct val="120000"/>
+              </a:lnSpc>
+              <a:buFont typeface="Wingdings" pitchFamily="2" charset="2"/>
+              <a:buChar char="Ø"/>
+            </a:pPr>
+            <a:r>
+              <a:rPr lang="en-GB" sz="2000" i="0" dirty="0" err="1"/>
+              <a:t>Multiplas</a:t>
+            </a:r>
+            <a:r>
+              <a:rPr lang="en-GB" sz="2000" i="0" dirty="0"/>
+              <a:t> </a:t>
+            </a:r>
+            <a:r>
+              <a:rPr lang="en-GB" sz="2000" i="0" dirty="0" err="1"/>
+              <a:t>tentativas</a:t>
+            </a:r>
+            <a:r>
+              <a:rPr lang="en-GB" sz="2000" i="0" dirty="0"/>
+              <a:t>, sempre </a:t>
+            </a:r>
+            <a:r>
+              <a:rPr lang="en-GB" sz="2000" i="0" dirty="0" err="1"/>
+              <a:t>aberto</a:t>
+            </a:r>
+            <a:r>
+              <a:rPr lang="en-GB" sz="2000" b="0" i="0" dirty="0"/>
+              <a:t>;</a:t>
+            </a:r>
+          </a:p>
+          <a:p>
+            <a:pPr marL="450850" lvl="1" indent="-271463" algn="l" defTabSz="704085">
+              <a:lnSpc>
+                <a:spcPct val="120000"/>
+              </a:lnSpc>
+              <a:buFont typeface="Wingdings" pitchFamily="2" charset="2"/>
+              <a:buChar char="Ø"/>
+            </a:pPr>
+            <a:r>
+              <a:rPr lang="en-GB" sz="2000" b="0" i="0" dirty="0" err="1"/>
+              <a:t>Duração</a:t>
+            </a:r>
+            <a:r>
+              <a:rPr lang="en-GB" sz="2000" b="0" i="0" dirty="0"/>
+              <a:t>: </a:t>
+            </a:r>
+            <a:r>
+              <a:rPr lang="en-GB" sz="2000" i="0" dirty="0"/>
+              <a:t>6 </a:t>
+            </a:r>
+            <a:r>
+              <a:rPr lang="en-GB" sz="2000" i="0" dirty="0" err="1"/>
+              <a:t>minutos</a:t>
+            </a:r>
+            <a:r>
+              <a:rPr lang="en-GB" sz="2000" b="0" i="0" dirty="0"/>
+              <a:t>.</a:t>
+            </a:r>
+          </a:p>
+        </p:txBody>
+      </p:sp>
+      <p:pic>
+        <p:nvPicPr>
+          <p:cNvPr id="6" name="Picture 4" descr="anim-opt"/>
+          <p:cNvPicPr>
+            <a:picLocks noChangeAspect="1" noChangeArrowheads="1" noCrop="1"/>
+          </p:cNvPicPr>
+          <p:nvPr/>
+        </p:nvPicPr>
+        <p:blipFill>
+          <a:blip r:embed="rId3" cstate="print"/>
+          <a:srcRect/>
+          <a:stretch>
+            <a:fillRect/>
+          </a:stretch>
+        </p:blipFill>
+        <p:spPr bwMode="auto">
+          <a:xfrm>
+            <a:off x="4734019" y="4777713"/>
+            <a:ext cx="4012406" cy="571500"/>
+          </a:xfrm>
+          <a:prstGeom prst="rect">
+            <a:avLst/>
+          </a:prstGeom>
+          <a:noFill/>
+        </p:spPr>
+      </p:pic>
+    </p:spTree>
+  </p:cSld>
+  <p:clrMapOvr>
+    <a:masterClrMapping/>
+  </p:clrMapOvr>
+  <p:timing>
+    <p:tnLst>
+      <p:par>
+        <p:cTn id="1" dur="indefinite" restart="never" nodeType="tmRoot">
+          <p:childTnLst>
+            <p:seq concurrent="1" nextAc="seek">
+              <p:cTn id="2" dur="indefinite" nodeType="mainSeq">
+                <p:childTnLst>
+                  <p:par>
+                    <p:cTn id="3" fill="hold">
+                      <p:stCondLst>
+                        <p:cond delay="indefinite"/>
+                        <p:cond evt="onBegin" delay="0">
+                          <p:tn val="2"/>
+                        </p:cond>
+                      </p:stCondLst>
+                      <p:childTnLst>
+                        <p:par>
+                          <p:cTn id="4" fill="hold">
+                            <p:stCondLst>
+                              <p:cond delay="0"/>
+                            </p:stCondLst>
+                            <p:childTnLst>
+                              <p:par>
+                                <p:cTn id="5" presetID="42" presetClass="entr" presetSubtype="0" fill="hold" grpId="0" nodeType="afterEffect">
+                                  <p:stCondLst>
+                                    <p:cond delay="0"/>
+                                  </p:stCondLst>
+                                  <p:childTnLst>
+                                    <p:set>
+                                      <p:cBhvr>
+                                        <p:cTn id="6" dur="1" fill="hold">
+                                          <p:stCondLst>
+                                            <p:cond delay="0"/>
+                                          </p:stCondLst>
+                                        </p:cTn>
+                                        <p:tgtEl>
+                                          <p:spTgt spid="5"/>
+                                        </p:tgtEl>
+                                        <p:attrNameLst>
+                                          <p:attrName>style.visibility</p:attrName>
+                                        </p:attrNameLst>
+                                      </p:cBhvr>
+                                      <p:to>
+                                        <p:strVal val="visible"/>
+                                      </p:to>
+                                    </p:set>
+                                    <p:animEffect transition="in" filter="fade">
+                                      <p:cBhvr>
+                                        <p:cTn id="7" dur="500"/>
+                                        <p:tgtEl>
+                                          <p:spTgt spid="5"/>
+                                        </p:tgtEl>
+                                      </p:cBhvr>
+                                    </p:animEffect>
+                                    <p:anim calcmode="lin" valueType="num">
+                                      <p:cBhvr>
+                                        <p:cTn id="8" dur="500" fill="hold"/>
+                                        <p:tgtEl>
+                                          <p:spTgt spid="5"/>
+                                        </p:tgtEl>
+                                        <p:attrNameLst>
+                                          <p:attrName>ppt_x</p:attrName>
+                                        </p:attrNameLst>
+                                      </p:cBhvr>
+                                      <p:tavLst>
+                                        <p:tav tm="0">
+                                          <p:val>
+                                            <p:strVal val="#ppt_x"/>
+                                          </p:val>
+                                        </p:tav>
+                                        <p:tav tm="100000">
+                                          <p:val>
+                                            <p:strVal val="#ppt_x"/>
+                                          </p:val>
+                                        </p:tav>
+                                      </p:tavLst>
+                                    </p:anim>
+                                    <p:anim calcmode="lin" valueType="num">
+                                      <p:cBhvr>
+                                        <p:cTn id="9" dur="500" fill="hold"/>
+                                        <p:tgtEl>
+                                          <p:spTgt spid="5"/>
+                                        </p:tgtEl>
+                                        <p:attrNameLst>
+                                          <p:attrName>ppt_y</p:attrName>
+                                        </p:attrNameLst>
+                                      </p:cBhvr>
+                                      <p:tavLst>
+                                        <p:tav tm="0">
+                                          <p:val>
+                                            <p:strVal val="#ppt_y+.1"/>
+                                          </p:val>
+                                        </p:tav>
+                                        <p:tav tm="100000">
+                                          <p:val>
+                                            <p:strVal val="#ppt_y"/>
+                                          </p:val>
+                                        </p:tav>
+                                      </p:tavLst>
+                                    </p:anim>
+                                  </p:childTnLst>
+                                </p:cTn>
+                              </p:par>
+                            </p:childTnLst>
+                          </p:cTn>
+                        </p:par>
+                      </p:childTnLst>
+                    </p:cTn>
+                  </p:par>
+                </p:childTnLst>
+              </p:cTn>
+              <p:prevCondLst>
+                <p:cond evt="onPrev" delay="0">
+                  <p:tgtEl>
+                    <p:sldTgt/>
+                  </p:tgtEl>
+                </p:cond>
+              </p:prevCondLst>
+              <p:nextCondLst>
+                <p:cond evt="onNext" delay="0">
+                  <p:tgtEl>
+                    <p:sldTgt/>
+                  </p:tgtEl>
+                </p:cond>
+              </p:nextCondLst>
+            </p:seq>
+          </p:childTnLst>
+        </p:cTn>
+      </p:par>
+    </p:tnLst>
+    <p:bldLst>
+      <p:bldP spid="5" grpId="0"/>
     </p:bldLst>
   </p:timing>
 </p:sld>
@@ -6408,7 +7095,7 @@
         <p:spPr bwMode="auto">
           <a:xfrm>
             <a:off x="540000" y="900000"/>
-            <a:ext cx="7848424" cy="4790465"/>
+            <a:ext cx="7848424" cy="4750776"/>
           </a:xfrm>
           <a:prstGeom prst="rect">
             <a:avLst/>
@@ -7034,15 +7721,7 @@
             </a:r>
             <a:r>
               <a:rPr lang="pt-PT" sz="1600" b="0" i="0" dirty="0"/>
-              <a:t> </a:t>
-            </a:r>
-            <a:r>
-              <a:rPr lang="pt-PT" sz="1600" b="0" i="0" dirty="0" err="1"/>
-              <a:t>and</a:t>
-            </a:r>
-            <a:r>
-              <a:rPr lang="pt-PT" sz="1600" b="0" i="0" dirty="0"/>
-              <a:t> </a:t>
+              <a:t> e </a:t>
             </a:r>
             <a:r>
               <a:rPr lang="pt-PT" sz="1600" i="0" dirty="0"/>
@@ -7303,7 +7982,7 @@
                 </a:solidFill>
                 <a:latin typeface="Arial" charset="0"/>
               </a:rPr>
-              <a:t>Exemplos</a:t>
+              <a:t>Linguagem Java</a:t>
             </a:r>
             <a:endParaRPr lang="pt-PT" sz="1600" b="1" i="1" cap="small" dirty="0">
               <a:solidFill>
@@ -8406,7 +9085,7 @@
                 </a:solidFill>
                 <a:latin typeface="Arial" charset="0"/>
               </a:rPr>
-              <a:t>Particularidades</a:t>
+              <a:t>Exceções</a:t>
             </a:r>
             <a:endParaRPr lang="pt-PT" sz="1600" b="1" i="1" cap="small" dirty="0">
               <a:solidFill>
@@ -8428,7 +9107,7 @@
         <p:spPr bwMode="auto">
           <a:xfrm>
             <a:off x="540000" y="900000"/>
-            <a:ext cx="8280472" cy="3682470"/>
+            <a:ext cx="7848424" cy="4002557"/>
           </a:xfrm>
           <a:prstGeom prst="rect">
             <a:avLst/>
@@ -8448,239 +9127,686 @@
           </a:bodyPr>
           <a:lstStyle/>
           <a:p>
-            <a:pPr algn="l" defTabSz="624078">
+            <a:pPr algn="just" defTabSz="624078"/>
+            <a:r>
+              <a:rPr lang="en-US" sz="1600" i="0" dirty="0">
+                <a:latin typeface="Courier New" pitchFamily="49" charset="0"/>
+              </a:rPr>
+              <a:t>try</a:t>
+            </a:r>
+          </a:p>
+          <a:p>
+            <a:pPr algn="just" defTabSz="624078"/>
+            <a:r>
+              <a:rPr lang="en-US" sz="1600" i="0" dirty="0">
+                <a:latin typeface="Courier New" pitchFamily="49" charset="0"/>
+              </a:rPr>
+              <a:t>{</a:t>
+            </a:r>
+          </a:p>
+          <a:p>
+            <a:pPr algn="just" defTabSz="624078"/>
+            <a:r>
+              <a:rPr lang="en-US" sz="1600" i="0" dirty="0">
+                <a:latin typeface="Courier New" pitchFamily="49" charset="0"/>
+              </a:rPr>
+              <a:t>  statements  // </a:t>
+            </a:r>
+            <a:r>
+              <a:rPr lang="en-US" sz="1600" i="0" dirty="0" err="1">
+                <a:latin typeface="Courier New" pitchFamily="49" charset="0"/>
+              </a:rPr>
+              <a:t>codigo</a:t>
+            </a:r>
+            <a:r>
+              <a:rPr lang="en-US" sz="1600" i="0" dirty="0">
+                <a:latin typeface="Courier New" pitchFamily="49" charset="0"/>
+              </a:rPr>
+              <a:t> principal a </a:t>
+            </a:r>
+            <a:r>
+              <a:rPr lang="en-US" sz="1600" i="0" dirty="0" err="1">
+                <a:latin typeface="Courier New" pitchFamily="49" charset="0"/>
+              </a:rPr>
+              <a:t>executar</a:t>
+            </a:r>
+            <a:endParaRPr lang="en-US" sz="1600" i="0" dirty="0">
+              <a:latin typeface="Courier New" pitchFamily="49" charset="0"/>
+            </a:endParaRPr>
+          </a:p>
+          <a:p>
+            <a:pPr algn="just" defTabSz="624078"/>
+            <a:r>
+              <a:rPr lang="en-US" sz="1600" i="0" dirty="0">
+                <a:latin typeface="Courier New" pitchFamily="49" charset="0"/>
+              </a:rPr>
+              <a:t>} catch (ex-type1 identifier1)</a:t>
+            </a:r>
+          </a:p>
+          <a:p>
+            <a:pPr algn="just" defTabSz="624078"/>
+            <a:r>
+              <a:rPr lang="en-US" sz="1600" i="0" dirty="0">
+                <a:latin typeface="Courier New" pitchFamily="49" charset="0"/>
+              </a:rPr>
+              <a:t>  {</a:t>
+            </a:r>
+          </a:p>
+          <a:p>
+            <a:pPr algn="just" defTabSz="624078"/>
+            <a:r>
+              <a:rPr lang="en-US" sz="1600" i="0" dirty="0">
+                <a:latin typeface="Courier New" pitchFamily="49" charset="0"/>
+              </a:rPr>
+              <a:t>    statements // processor </a:t>
+            </a:r>
+            <a:r>
+              <a:rPr lang="en-US" sz="1600" i="0" dirty="0" err="1">
+                <a:latin typeface="Courier New" pitchFamily="49" charset="0"/>
+              </a:rPr>
+              <a:t>exceçao</a:t>
+            </a:r>
+            <a:r>
+              <a:rPr lang="en-US" sz="1600" i="0" dirty="0">
+                <a:latin typeface="Courier New" pitchFamily="49" charset="0"/>
+              </a:rPr>
+              <a:t> do tipo1 </a:t>
+            </a:r>
+          </a:p>
+          <a:p>
+            <a:pPr algn="just" defTabSz="624078"/>
+            <a:r>
+              <a:rPr lang="en-US" sz="1600" i="0" dirty="0">
+                <a:latin typeface="Courier New" pitchFamily="49" charset="0"/>
+              </a:rPr>
+              <a:t>  }</a:t>
+            </a:r>
+          </a:p>
+          <a:p>
+            <a:pPr algn="just" defTabSz="624078"/>
+            <a:r>
+              <a:rPr lang="en-US" sz="1600" i="0" dirty="0">
+                <a:latin typeface="Courier New" pitchFamily="49" charset="0"/>
+              </a:rPr>
+              <a:t>  catch (ex-type2 identifier2)</a:t>
+            </a:r>
+          </a:p>
+          <a:p>
+            <a:pPr algn="just" defTabSz="624078"/>
+            <a:r>
+              <a:rPr lang="en-US" sz="1600" i="0" dirty="0">
+                <a:latin typeface="Courier New" pitchFamily="49" charset="0"/>
+              </a:rPr>
+              <a:t>  {</a:t>
+            </a:r>
+          </a:p>
+          <a:p>
+            <a:pPr algn="just" defTabSz="624078"/>
+            <a:r>
+              <a:rPr lang="en-US" sz="1600" i="0" dirty="0">
+                <a:latin typeface="Courier New" pitchFamily="49" charset="0"/>
+              </a:rPr>
+              <a:t>    statements // processor </a:t>
+            </a:r>
+            <a:r>
+              <a:rPr lang="en-US" sz="1600" i="0" dirty="0" err="1">
+                <a:latin typeface="Courier New" pitchFamily="49" charset="0"/>
+              </a:rPr>
+              <a:t>exceçao</a:t>
+            </a:r>
+            <a:r>
+              <a:rPr lang="en-US" sz="1600" i="0" dirty="0">
+                <a:latin typeface="Courier New" pitchFamily="49" charset="0"/>
+              </a:rPr>
+              <a:t> do tipo2</a:t>
+            </a:r>
+          </a:p>
+          <a:p>
+            <a:pPr algn="just" defTabSz="624078"/>
+            <a:r>
+              <a:rPr lang="en-US" sz="1600" i="0" dirty="0">
+                <a:latin typeface="Courier New" pitchFamily="49" charset="0"/>
+              </a:rPr>
+              <a:t>  }</a:t>
+            </a:r>
+          </a:p>
+          <a:p>
+            <a:pPr algn="just" defTabSz="624078"/>
+            <a:r>
+              <a:rPr lang="en-US" sz="1600" i="0" dirty="0">
+                <a:latin typeface="Courier New" pitchFamily="49" charset="0"/>
+              </a:rPr>
+              <a:t>  finally</a:t>
+            </a:r>
+          </a:p>
+          <a:p>
+            <a:pPr algn="just" defTabSz="624078"/>
+            <a:r>
+              <a:rPr lang="en-US" sz="1600" i="0" dirty="0">
+                <a:latin typeface="Courier New" pitchFamily="49" charset="0"/>
+              </a:rPr>
+              <a:t>  {</a:t>
+            </a:r>
+          </a:p>
+          <a:p>
+            <a:pPr algn="just" defTabSz="624078"/>
+            <a:r>
+              <a:rPr lang="en-US" sz="1600" i="0" dirty="0">
+                <a:latin typeface="Courier New" pitchFamily="49" charset="0"/>
+              </a:rPr>
+              <a:t>    statements // </a:t>
+            </a:r>
+            <a:r>
+              <a:rPr lang="en-US" sz="1600" i="0" dirty="0" err="1">
+                <a:latin typeface="Courier New" pitchFamily="49" charset="0"/>
+              </a:rPr>
+              <a:t>fazer</a:t>
+            </a:r>
+            <a:r>
+              <a:rPr lang="en-US" sz="1600" i="0" dirty="0">
+                <a:latin typeface="Courier New" pitchFamily="49" charset="0"/>
+              </a:rPr>
+              <a:t> sempre </a:t>
+            </a:r>
+            <a:r>
+              <a:rPr lang="en-US" sz="1600" i="0" dirty="0" err="1">
+                <a:latin typeface="Courier New" pitchFamily="49" charset="0"/>
+              </a:rPr>
+              <a:t>isto</a:t>
+            </a:r>
+            <a:r>
+              <a:rPr lang="en-US" sz="1600" i="0" dirty="0">
+                <a:latin typeface="Courier New" pitchFamily="49" charset="0"/>
+              </a:rPr>
+              <a:t> no </a:t>
+            </a:r>
+            <a:r>
+              <a:rPr lang="en-US" sz="1600" i="0" dirty="0" err="1">
+                <a:latin typeface="Courier New" pitchFamily="49" charset="0"/>
+              </a:rPr>
+              <a:t>fim</a:t>
+            </a:r>
+            <a:r>
+              <a:rPr lang="en-US" sz="1600" i="0" dirty="0">
+                <a:latin typeface="Courier New" pitchFamily="49" charset="0"/>
+              </a:rPr>
+              <a:t> (optional)</a:t>
+            </a:r>
+          </a:p>
+          <a:p>
+            <a:pPr algn="just" defTabSz="624078"/>
+            <a:r>
+              <a:rPr lang="en-US" sz="1600" i="0" dirty="0">
+                <a:latin typeface="Courier New" pitchFamily="49" charset="0"/>
+              </a:rPr>
+              <a:t>  }</a:t>
+            </a:r>
+          </a:p>
+          <a:p>
+            <a:pPr algn="just" defTabSz="624078"/>
+            <a:r>
+              <a:rPr lang="en-US" sz="1600" i="0" dirty="0">
+                <a:latin typeface="Courier New" pitchFamily="49" charset="0"/>
+              </a:rPr>
+              <a:t>}</a:t>
+            </a:r>
+          </a:p>
+        </p:txBody>
+      </p:sp>
+      <p:sp>
+        <p:nvSpPr>
+          <p:cNvPr id="2" name="Rectangle 1"/>
+          <p:cNvSpPr>
+            <a:spLocks noChangeArrowheads="1"/>
+          </p:cNvSpPr>
+          <p:nvPr/>
+        </p:nvSpPr>
+        <p:spPr bwMode="auto">
+          <a:xfrm>
+            <a:off x="0" y="0"/>
+            <a:ext cx="9144000" cy="457200"/>
+          </a:xfrm>
+          <a:prstGeom prst="rect">
+            <a:avLst/>
+          </a:prstGeom>
+          <a:noFill/>
+          <a:ln>
+            <a:noFill/>
+          </a:ln>
+          <a:effectLst/>
+          <a:extLst>
+            <a:ext uri="{909E8E84-426E-40DD-AFC4-6F175D3DCCD1}">
+              <a14:hiddenFill xmlns:a14="http://schemas.microsoft.com/office/drawing/2010/main">
+                <a:solidFill>
+                  <a:schemeClr val="accent1"/>
+                </a:solidFill>
+              </a14:hiddenFill>
+            </a:ext>
+            <a:ext uri="{91240B29-F687-4F45-9708-019B960494DF}">
+              <a14:hiddenLine xmlns:a14="http://schemas.microsoft.com/office/drawing/2010/main" w="9525">
+                <a:solidFill>
+                  <a:schemeClr val="tx1"/>
+                </a:solidFill>
+                <a:miter lim="800000"/>
+                <a:headEnd/>
+                <a:tailEnd/>
+              </a14:hiddenLine>
+            </a:ext>
+            <a:ext uri="{AF507438-7753-43E0-B8FC-AC1667EBCBE1}">
+              <a14:hiddenEffects xmlns:a14="http://schemas.microsoft.com/office/drawing/2010/main">
+                <a:effectLst>
+                  <a:outerShdw dist="35921" dir="2700000" algn="ctr" rotWithShape="0">
+                    <a:schemeClr val="bg2"/>
+                  </a:outerShdw>
+                </a:effectLst>
+              </a14:hiddenEffects>
+            </a:ext>
+          </a:extLst>
+        </p:spPr>
+        <p:txBody>
+          <a:bodyPr vert="horz" wrap="none" lIns="91440" tIns="45720" rIns="91440" bIns="45720" numCol="1" anchor="ctr" anchorCtr="0" compatLnSpc="1">
+            <a:prstTxWarp prst="textNoShape">
+              <a:avLst/>
+            </a:prstTxWarp>
+            <a:spAutoFit/>
+          </a:bodyPr>
+          <a:lstStyle/>
+          <a:p>
+            <a:pPr marL="0" marR="0" lvl="0" indent="0" algn="l" defTabSz="914400" rtl="0" eaLnBrk="0" fontAlgn="base" latinLnBrk="0" hangingPunct="0">
               <a:lnSpc>
-                <a:spcPct val="120000"/>
+                <a:spcPct val="100000"/>
               </a:lnSpc>
+              <a:spcBef>
+                <a:spcPct val="0"/>
+              </a:spcBef>
+              <a:spcAft>
+                <a:spcPct val="0"/>
+              </a:spcAft>
+              <a:buClrTx/>
+              <a:buSzTx/>
+              <a:buFontTx/>
+              <a:buNone/>
+              <a:tabLst/>
             </a:pPr>
             <a:r>
-              <a:rPr lang="pt-PT" sz="2000" b="0" i="0" dirty="0"/>
-              <a:t>Outras observações:</a:t>
-            </a:r>
-          </a:p>
-          <a:p>
-            <a:pPr marL="357188" lvl="1" indent="-177800" algn="just" defTabSz="624078">
-              <a:lnSpc>
-                <a:spcPct val="120000"/>
-              </a:lnSpc>
-              <a:buFont typeface="Wingdings" pitchFamily="2" charset="2"/>
-              <a:buChar char="Ø"/>
-            </a:pPr>
-            <a:r>
-              <a:rPr lang="pt-PT" sz="1600" b="0" i="0" dirty="0"/>
-              <a:t>Matrizes com “</a:t>
-            </a:r>
-            <a:r>
-              <a:rPr lang="pt-PT" sz="1600" b="0" dirty="0" err="1"/>
-              <a:t>Bounds</a:t>
-            </a:r>
-            <a:r>
-              <a:rPr lang="pt-PT" sz="1600" b="0" dirty="0"/>
+              <a:rPr kumimoji="0" lang="pt-PT" altLang="pt-PT" sz="1000" b="0" i="0" u="none" strike="noStrike" cap="none" normalizeH="0" baseline="0">
+                <a:ln>
+                  <a:noFill/>
+                </a:ln>
+                <a:solidFill>
+                  <a:srgbClr val="0066CC"/>
+                </a:solidFill>
+                <a:effectLst/>
+                <a:latin typeface="Arial Unicode MS" panose="020B0604020202020204" pitchFamily="34" charset="-128"/>
+              </a:rPr>
+              <a:t>public</a:t>
+            </a:r>
+            <a:r>
+              <a:rPr kumimoji="0" lang="pt-PT" altLang="pt-PT" sz="1000" b="0" i="0" u="none" strike="noStrike" cap="none" normalizeH="0" baseline="0">
+                <a:ln>
+                  <a:noFill/>
+                </a:ln>
+                <a:solidFill>
+                  <a:srgbClr val="00000F"/>
+                </a:solidFill>
+                <a:effectLst/>
+                <a:latin typeface="Arial Unicode MS" panose="020B0604020202020204" pitchFamily="34" charset="-128"/>
+              </a:rPr>
               <a:t> </a:t>
             </a:r>
             <a:r>
-              <a:rPr lang="pt-PT" sz="1600" b="0" dirty="0" err="1"/>
-              <a:t>checking</a:t>
-            </a:r>
-            <a:r>
-              <a:rPr lang="pt-PT" sz="1600" b="0" i="0" dirty="0"/>
-              <a:t>”;</a:t>
-            </a:r>
-          </a:p>
-          <a:p>
-            <a:pPr marL="357188" lvl="1" indent="-177800" algn="just" defTabSz="624078">
-              <a:lnSpc>
-                <a:spcPct val="120000"/>
-              </a:lnSpc>
-              <a:buFont typeface="Wingdings" pitchFamily="2" charset="2"/>
-              <a:buChar char="Ø"/>
-            </a:pPr>
-            <a:r>
-              <a:rPr lang="pt-PT" sz="1600" b="0" i="0" dirty="0"/>
-              <a:t>“</a:t>
-            </a:r>
-            <a:r>
-              <a:rPr lang="pt-PT" sz="1600" b="0" dirty="0" err="1"/>
-              <a:t>Write</a:t>
-            </a:r>
-            <a:r>
-              <a:rPr lang="pt-PT" sz="1600" b="0" dirty="0"/>
+              <a:rPr kumimoji="0" lang="pt-PT" altLang="pt-PT" sz="1000" b="0" i="0" u="none" strike="noStrike" cap="none" normalizeH="0" baseline="0">
+                <a:ln>
+                  <a:noFill/>
+                </a:ln>
+                <a:solidFill>
+                  <a:srgbClr val="0066CC"/>
+                </a:solidFill>
+                <a:effectLst/>
+                <a:latin typeface="Arial Unicode MS" panose="020B0604020202020204" pitchFamily="34" charset="-128"/>
+              </a:rPr>
+              <a:t>class</a:t>
+            </a:r>
+            <a:r>
+              <a:rPr kumimoji="0" lang="pt-PT" altLang="pt-PT" sz="1000" b="0" i="0" u="none" strike="noStrike" cap="none" normalizeH="0" baseline="0">
+                <a:ln>
+                  <a:noFill/>
+                </a:ln>
+                <a:solidFill>
+                  <a:srgbClr val="00000F"/>
+                </a:solidFill>
+                <a:effectLst/>
+                <a:latin typeface="Arial Unicode MS" panose="020B0604020202020204" pitchFamily="34" charset="-128"/>
+              </a:rPr>
+              <a:t> HelloWorld { </a:t>
+            </a:r>
+            <a:r>
+              <a:rPr kumimoji="0" lang="pt-PT" altLang="pt-PT" sz="1000" b="0" i="0" u="none" strike="noStrike" cap="none" normalizeH="0" baseline="0">
+                <a:ln>
+                  <a:noFill/>
+                </a:ln>
+                <a:solidFill>
+                  <a:srgbClr val="0066CC"/>
+                </a:solidFill>
+                <a:effectLst/>
+                <a:latin typeface="Arial Unicode MS" panose="020B0604020202020204" pitchFamily="34" charset="-128"/>
+              </a:rPr>
+              <a:t>public</a:t>
+            </a:r>
+            <a:r>
+              <a:rPr kumimoji="0" lang="pt-PT" altLang="pt-PT" sz="1000" b="0" i="0" u="none" strike="noStrike" cap="none" normalizeH="0" baseline="0">
+                <a:ln>
+                  <a:noFill/>
+                </a:ln>
+                <a:solidFill>
+                  <a:srgbClr val="00000F"/>
+                </a:solidFill>
+                <a:effectLst/>
+                <a:latin typeface="Arial Unicode MS" panose="020B0604020202020204" pitchFamily="34" charset="-128"/>
+              </a:rPr>
               <a:t> </a:t>
             </a:r>
             <a:r>
-              <a:rPr lang="pt-PT" sz="1600" b="0" dirty="0" err="1"/>
-              <a:t>once</a:t>
-            </a:r>
-            <a:r>
-              <a:rPr lang="pt-PT" sz="1600" b="0" dirty="0"/>
+              <a:rPr kumimoji="0" lang="pt-PT" altLang="pt-PT" sz="1000" b="0" i="0" u="none" strike="noStrike" cap="none" normalizeH="0" baseline="0">
+                <a:ln>
+                  <a:noFill/>
+                </a:ln>
+                <a:solidFill>
+                  <a:srgbClr val="0066CC"/>
+                </a:solidFill>
+                <a:effectLst/>
+                <a:latin typeface="Arial Unicode MS" panose="020B0604020202020204" pitchFamily="34" charset="-128"/>
+              </a:rPr>
+              <a:t>static</a:t>
+            </a:r>
+            <a:r>
+              <a:rPr kumimoji="0" lang="pt-PT" altLang="pt-PT" sz="1000" b="0" i="0" u="none" strike="noStrike" cap="none" normalizeH="0" baseline="0">
+                <a:ln>
+                  <a:noFill/>
+                </a:ln>
+                <a:solidFill>
+                  <a:srgbClr val="00000F"/>
+                </a:solidFill>
+                <a:effectLst/>
+                <a:latin typeface="Arial Unicode MS" panose="020B0604020202020204" pitchFamily="34" charset="-128"/>
+              </a:rPr>
               <a:t> </a:t>
             </a:r>
             <a:r>
-              <a:rPr lang="pt-PT" sz="1600" b="0" dirty="0" err="1"/>
-              <a:t>run</a:t>
-            </a:r>
-            <a:r>
-              <a:rPr lang="pt-PT" sz="1600" b="0" dirty="0"/>
+              <a:rPr kumimoji="0" lang="pt-PT" altLang="pt-PT" sz="1000" b="0" i="0" u="none" strike="noStrike" cap="none" normalizeH="0" baseline="0">
+                <a:ln>
+                  <a:noFill/>
+                </a:ln>
+                <a:solidFill>
+                  <a:srgbClr val="0066CC"/>
+                </a:solidFill>
+                <a:effectLst/>
+                <a:latin typeface="Courier New" panose="02070309020205020404" pitchFamily="49" charset="0"/>
+              </a:rPr>
+              <a:t>void</a:t>
+            </a:r>
+            <a:r>
+              <a:rPr kumimoji="0" lang="pt-PT" altLang="pt-PT" sz="1000" b="0" i="0" u="none" strike="noStrike" cap="none" normalizeH="0" baseline="0">
+                <a:ln>
+                  <a:noFill/>
+                </a:ln>
+                <a:solidFill>
+                  <a:srgbClr val="00000F"/>
+                </a:solidFill>
+                <a:effectLst/>
+                <a:latin typeface="Arial Unicode MS" panose="020B0604020202020204" pitchFamily="34" charset="-128"/>
+              </a:rPr>
               <a:t> </a:t>
             </a:r>
             <a:r>
-              <a:rPr lang="pt-PT" sz="1600" b="0" dirty="0" err="1"/>
-              <a:t>anywhere</a:t>
-            </a:r>
-            <a:r>
-              <a:rPr lang="pt-PT" sz="1600" b="0" i="0" dirty="0"/>
-              <a:t>”, utilizando bibliotecas standards e interface standard;</a:t>
-            </a:r>
-          </a:p>
-          <a:p>
-            <a:pPr marL="357188" lvl="1" indent="-177800" algn="just" defTabSz="624078">
-              <a:lnSpc>
-                <a:spcPct val="120000"/>
-              </a:lnSpc>
-              <a:buFont typeface="Wingdings" pitchFamily="2" charset="2"/>
-              <a:buChar char="Ø"/>
-            </a:pPr>
-            <a:r>
-              <a:rPr lang="pt-PT" sz="1600" b="0" i="0" dirty="0"/>
-              <a:t>Eficiência similar ao C/C++ principalmente com dados primitivos;</a:t>
-            </a:r>
-          </a:p>
-          <a:p>
-            <a:pPr marL="357188" lvl="1" indent="-177800" algn="just" defTabSz="624078">
-              <a:lnSpc>
-                <a:spcPct val="120000"/>
-              </a:lnSpc>
-              <a:buFont typeface="Wingdings" pitchFamily="2" charset="2"/>
-              <a:buChar char="Ø"/>
-            </a:pPr>
-            <a:r>
-              <a:rPr lang="pt-PT" sz="1600" b="0" i="0" dirty="0"/>
-              <a:t>Tratamento de erros via exceções (mais elegante);</a:t>
-            </a:r>
-          </a:p>
-          <a:p>
-            <a:pPr marL="357188" lvl="1" indent="-177800" algn="just" defTabSz="624078">
-              <a:lnSpc>
-                <a:spcPct val="120000"/>
-              </a:lnSpc>
-              <a:buFont typeface="Wingdings" pitchFamily="2" charset="2"/>
-              <a:buChar char="Ø"/>
-            </a:pPr>
-            <a:r>
-              <a:rPr lang="pt-PT" sz="1600" b="0" i="0" dirty="0"/>
-              <a:t>É possível integrar com outras linguagens via interfaces nativas (quebra portabilidade);</a:t>
-            </a:r>
-          </a:p>
-          <a:p>
-            <a:pPr marL="357188" lvl="1" indent="-177800" algn="just" defTabSz="624078">
-              <a:lnSpc>
-                <a:spcPct val="120000"/>
-              </a:lnSpc>
-              <a:buFont typeface="Wingdings" pitchFamily="2" charset="2"/>
-              <a:buChar char="Ø"/>
-            </a:pPr>
-            <a:r>
-              <a:rPr lang="pt-PT" sz="1600" b="0" i="0" dirty="0"/>
-              <a:t>Existiu um </a:t>
-            </a:r>
-            <a:r>
-              <a:rPr lang="pt-PT" sz="1600" b="0" i="0" dirty="0" err="1"/>
-              <a:t>JavaOS</a:t>
-            </a:r>
-            <a:r>
-              <a:rPr lang="pt-PT" sz="1600" b="0" i="0" dirty="0"/>
-              <a:t>, mas foi descontinuado;</a:t>
-            </a:r>
-          </a:p>
-          <a:p>
-            <a:pPr marL="357188" lvl="1" indent="-177800" algn="just" defTabSz="624078">
-              <a:lnSpc>
-                <a:spcPct val="120000"/>
-              </a:lnSpc>
-              <a:buFont typeface="Wingdings" pitchFamily="2" charset="2"/>
-              <a:buChar char="Ø"/>
-            </a:pPr>
-            <a:r>
-              <a:rPr lang="pt-PT" sz="1600" b="0" i="0" dirty="0"/>
-              <a:t>JRE (</a:t>
-            </a:r>
-            <a:r>
-              <a:rPr lang="pt-PT" sz="1600" b="0" dirty="0"/>
-              <a:t>Java </a:t>
-            </a:r>
-            <a:r>
-              <a:rPr lang="pt-PT" sz="1600" b="0" dirty="0" err="1"/>
-              <a:t>Runtime</a:t>
-            </a:r>
-            <a:r>
-              <a:rPr lang="pt-PT" sz="1600" b="0" dirty="0"/>
-              <a:t> </a:t>
-            </a:r>
-            <a:r>
-              <a:rPr lang="pt-PT" sz="1600" b="0" dirty="0" err="1"/>
-              <a:t>Environment</a:t>
-            </a:r>
-            <a:r>
-              <a:rPr lang="pt-PT" sz="1600" b="0" i="0" dirty="0"/>
-              <a:t>): Contém a máquina virtual e bibliotecas standards para executar aplicações;</a:t>
-            </a:r>
-          </a:p>
-          <a:p>
-            <a:pPr marL="357188" lvl="1" indent="-177800" algn="just" defTabSz="624078">
-              <a:lnSpc>
-                <a:spcPct val="120000"/>
-              </a:lnSpc>
-              <a:buFont typeface="Wingdings" pitchFamily="2" charset="2"/>
-              <a:buChar char="Ø"/>
-            </a:pPr>
-            <a:r>
-              <a:rPr lang="pt-PT" sz="1600" b="0" i="0" dirty="0"/>
-              <a:t>JDK (</a:t>
-            </a:r>
-            <a:r>
-              <a:rPr lang="pt-PT" sz="1600" b="0" dirty="0"/>
-              <a:t>Java </a:t>
-            </a:r>
-            <a:r>
-              <a:rPr lang="pt-PT" sz="1600" b="0" dirty="0" err="1"/>
-              <a:t>Development</a:t>
-            </a:r>
-            <a:r>
-              <a:rPr lang="pt-PT" sz="1600" b="0" dirty="0"/>
-              <a:t> Kit</a:t>
-            </a:r>
-            <a:r>
-              <a:rPr lang="pt-PT" sz="1600" b="0" i="0" dirty="0"/>
-              <a:t>): Tudo do JRE, acrescentando ferramentas de desenvolvimento (e.g. compilador);</a:t>
-            </a:r>
-          </a:p>
-          <a:p>
-            <a:pPr marL="357188" lvl="1" indent="-177800" algn="just" defTabSz="624078">
-              <a:lnSpc>
-                <a:spcPct val="120000"/>
-              </a:lnSpc>
-              <a:buFont typeface="Wingdings" pitchFamily="2" charset="2"/>
-              <a:buChar char="Ø"/>
-            </a:pPr>
-            <a:r>
-              <a:rPr lang="pt-PT" sz="1600" b="0" i="0" dirty="0"/>
-              <a:t>Existem alternativas ao JDK da Oracle, como o </a:t>
-            </a:r>
-            <a:r>
-              <a:rPr lang="pt-PT" sz="1600" b="0" i="0" dirty="0" err="1"/>
-              <a:t>OpenJDK</a:t>
-            </a:r>
-            <a:r>
-              <a:rPr lang="pt-PT" sz="1600" b="0" i="0" dirty="0"/>
+              <a:rPr kumimoji="0" lang="pt-PT" altLang="pt-PT" sz="1000" b="1" i="0" u="none" strike="noStrike" cap="none" normalizeH="0" baseline="0">
+                <a:ln>
+                  <a:noFill/>
+                </a:ln>
+                <a:solidFill>
+                  <a:srgbClr val="00000F"/>
+                </a:solidFill>
+                <a:effectLst/>
+                <a:latin typeface="Arial Unicode MS" panose="020B0604020202020204" pitchFamily="34" charset="-128"/>
+              </a:rPr>
+              <a:t>main</a:t>
+            </a:r>
+            <a:r>
+              <a:rPr kumimoji="0" lang="pt-PT" altLang="pt-PT" sz="1000" b="0" i="0" u="none" strike="noStrike" cap="none" normalizeH="0" baseline="0">
+                <a:ln>
+                  <a:noFill/>
+                </a:ln>
+                <a:solidFill>
+                  <a:srgbClr val="8B0000"/>
+                </a:solidFill>
+                <a:effectLst/>
+                <a:latin typeface="Arial Unicode MS" panose="020B0604020202020204" pitchFamily="34" charset="-128"/>
+              </a:rPr>
+              <a:t>(</a:t>
+            </a:r>
+            <a:r>
+              <a:rPr kumimoji="0" lang="pt-PT" altLang="pt-PT" sz="1000" b="0" i="0" u="none" strike="noStrike" cap="none" normalizeH="0" baseline="0">
+                <a:ln>
+                  <a:noFill/>
+                </a:ln>
+                <a:solidFill>
+                  <a:srgbClr val="00000F"/>
+                </a:solidFill>
+                <a:effectLst/>
+                <a:latin typeface="Arial Unicode MS" panose="020B0604020202020204" pitchFamily="34" charset="-128"/>
+              </a:rPr>
+              <a:t>String</a:t>
+            </a:r>
+            <a:r>
+              <a:rPr kumimoji="0" lang="pt-PT" altLang="pt-PT" sz="1000" b="0" i="0" u="none" strike="noStrike" cap="none" normalizeH="0" baseline="0">
+                <a:ln>
+                  <a:noFill/>
+                </a:ln>
+                <a:solidFill>
+                  <a:srgbClr val="8B0000"/>
+                </a:solidFill>
+                <a:effectLst/>
+                <a:latin typeface="Arial Unicode MS" panose="020B0604020202020204" pitchFamily="34" charset="-128"/>
+              </a:rPr>
+              <a:t>[]</a:t>
+            </a:r>
+            <a:r>
+              <a:rPr kumimoji="0" lang="pt-PT" altLang="pt-PT" sz="1000" b="0" i="0" u="none" strike="noStrike" cap="none" normalizeH="0" baseline="0">
+                <a:ln>
+                  <a:noFill/>
+                </a:ln>
+                <a:solidFill>
+                  <a:srgbClr val="00000F"/>
+                </a:solidFill>
+                <a:effectLst/>
+                <a:latin typeface="Arial Unicode MS" panose="020B0604020202020204" pitchFamily="34" charset="-128"/>
+              </a:rPr>
+              <a:t> args</a:t>
+            </a:r>
+            <a:r>
+              <a:rPr kumimoji="0" lang="pt-PT" altLang="pt-PT" sz="1000" b="0" i="0" u="none" strike="noStrike" cap="none" normalizeH="0" baseline="0">
+                <a:ln>
+                  <a:noFill/>
+                </a:ln>
+                <a:solidFill>
+                  <a:srgbClr val="8B0000"/>
+                </a:solidFill>
+                <a:effectLst/>
+                <a:latin typeface="Arial Unicode MS" panose="020B0604020202020204" pitchFamily="34" charset="-128"/>
+              </a:rPr>
+              <a:t>)</a:t>
+            </a:r>
+            <a:r>
+              <a:rPr kumimoji="0" lang="pt-PT" altLang="pt-PT" sz="1000" b="0" i="0" u="none" strike="noStrike" cap="none" normalizeH="0" baseline="0">
+                <a:ln>
+                  <a:noFill/>
+                </a:ln>
+                <a:solidFill>
+                  <a:srgbClr val="00000F"/>
+                </a:solidFill>
+                <a:effectLst/>
+                <a:latin typeface="Arial Unicode MS" panose="020B0604020202020204" pitchFamily="34" charset="-128"/>
+              </a:rPr>
+              <a:t> { </a:t>
+            </a:r>
+            <a:r>
+              <a:rPr kumimoji="0" lang="pt-PT" altLang="pt-PT" sz="1000" b="0" i="1" u="none" strike="noStrike" cap="none" normalizeH="0" baseline="0">
+                <a:ln>
+                  <a:noFill/>
+                </a:ln>
+                <a:solidFill>
+                  <a:srgbClr val="666666"/>
+                </a:solidFill>
+                <a:effectLst/>
+                <a:latin typeface="Arial Unicode MS" panose="020B0604020202020204" pitchFamily="34" charset="-128"/>
+              </a:rPr>
+              <a:t>// Prints "Hello, World" to the terminal window.</a:t>
+            </a:r>
+            <a:r>
+              <a:rPr kumimoji="0" lang="pt-PT" altLang="pt-PT" sz="1000" b="0" i="0" u="none" strike="noStrike" cap="none" normalizeH="0" baseline="0">
+                <a:ln>
+                  <a:noFill/>
+                </a:ln>
+                <a:solidFill>
+                  <a:srgbClr val="00000F"/>
+                </a:solidFill>
+                <a:effectLst/>
+                <a:latin typeface="Arial Unicode MS" panose="020B0604020202020204" pitchFamily="34" charset="-128"/>
+              </a:rPr>
+              <a:t> System</a:t>
+            </a:r>
+            <a:r>
+              <a:rPr kumimoji="0" lang="pt-PT" altLang="pt-PT" sz="1000" b="0" i="0" u="none" strike="noStrike" cap="none" normalizeH="0" baseline="0">
+                <a:ln>
+                  <a:noFill/>
+                </a:ln>
+                <a:solidFill>
+                  <a:srgbClr val="8B0000"/>
+                </a:solidFill>
+                <a:effectLst/>
+                <a:latin typeface="Arial Unicode MS" panose="020B0604020202020204" pitchFamily="34" charset="-128"/>
+              </a:rPr>
               <a:t>.</a:t>
             </a:r>
+            <a:r>
+              <a:rPr kumimoji="0" lang="pt-PT" altLang="pt-PT" sz="1000" b="0" i="0" u="none" strike="noStrike" cap="none" normalizeH="0" baseline="0">
+                <a:ln>
+                  <a:noFill/>
+                </a:ln>
+                <a:solidFill>
+                  <a:srgbClr val="00000F"/>
+                </a:solidFill>
+                <a:effectLst/>
+                <a:latin typeface="Arial Unicode MS" panose="020B0604020202020204" pitchFamily="34" charset="-128"/>
+              </a:rPr>
+              <a:t>out</a:t>
+            </a:r>
+            <a:r>
+              <a:rPr kumimoji="0" lang="pt-PT" altLang="pt-PT" sz="1000" b="0" i="0" u="none" strike="noStrike" cap="none" normalizeH="0" baseline="0">
+                <a:ln>
+                  <a:noFill/>
+                </a:ln>
+                <a:solidFill>
+                  <a:srgbClr val="8B0000"/>
+                </a:solidFill>
+                <a:effectLst/>
+                <a:latin typeface="Arial Unicode MS" panose="020B0604020202020204" pitchFamily="34" charset="-128"/>
+              </a:rPr>
+              <a:t>.</a:t>
+            </a:r>
+            <a:r>
+              <a:rPr kumimoji="0" lang="pt-PT" altLang="pt-PT" sz="1000" b="1" i="0" u="none" strike="noStrike" cap="none" normalizeH="0" baseline="0">
+                <a:ln>
+                  <a:noFill/>
+                </a:ln>
+                <a:solidFill>
+                  <a:srgbClr val="00000F"/>
+                </a:solidFill>
+                <a:effectLst/>
+                <a:latin typeface="Arial Unicode MS" panose="020B0604020202020204" pitchFamily="34" charset="-128"/>
+              </a:rPr>
+              <a:t>println</a:t>
+            </a:r>
+            <a:r>
+              <a:rPr kumimoji="0" lang="pt-PT" altLang="pt-PT" sz="1000" b="0" i="0" u="none" strike="noStrike" cap="none" normalizeH="0" baseline="0">
+                <a:ln>
+                  <a:noFill/>
+                </a:ln>
+                <a:solidFill>
+                  <a:srgbClr val="8B0000"/>
+                </a:solidFill>
+                <a:effectLst/>
+                <a:latin typeface="Arial Unicode MS" panose="020B0604020202020204" pitchFamily="34" charset="-128"/>
+              </a:rPr>
+              <a:t>(</a:t>
+            </a:r>
+            <a:r>
+              <a:rPr kumimoji="0" lang="pt-PT" altLang="pt-PT" sz="1000" b="0" i="0" u="none" strike="noStrike" cap="none" normalizeH="0" baseline="0">
+                <a:ln>
+                  <a:noFill/>
+                </a:ln>
+                <a:solidFill>
+                  <a:srgbClr val="116611"/>
+                </a:solidFill>
+                <a:effectLst/>
+                <a:latin typeface="Arial Unicode MS" panose="020B0604020202020204" pitchFamily="34" charset="-128"/>
+              </a:rPr>
+              <a:t>"Hello, World"</a:t>
+            </a:r>
+            <a:r>
+              <a:rPr kumimoji="0" lang="pt-PT" altLang="pt-PT" sz="1000" b="0" i="0" u="none" strike="noStrike" cap="none" normalizeH="0" baseline="0">
+                <a:ln>
+                  <a:noFill/>
+                </a:ln>
+                <a:solidFill>
+                  <a:srgbClr val="8B0000"/>
+                </a:solidFill>
+                <a:effectLst/>
+                <a:latin typeface="Arial Unicode MS" panose="020B0604020202020204" pitchFamily="34" charset="-128"/>
+              </a:rPr>
+              <a:t>);</a:t>
+            </a:r>
+            <a:r>
+              <a:rPr kumimoji="0" lang="pt-PT" altLang="pt-PT" sz="1000" b="0" i="0" u="none" strike="noStrike" cap="none" normalizeH="0" baseline="0">
+                <a:ln>
+                  <a:noFill/>
+                </a:ln>
+                <a:solidFill>
+                  <a:srgbClr val="00000F"/>
+                </a:solidFill>
+                <a:effectLst/>
+                <a:latin typeface="Arial Unicode MS" panose="020B0604020202020204" pitchFamily="34" charset="-128"/>
+              </a:rPr>
+              <a:t> } } </a:t>
+            </a:r>
+            <a:br>
+              <a:rPr kumimoji="0" lang="pt-PT" altLang="pt-PT" sz="400" b="0" i="0" u="none" strike="noStrike" cap="none" normalizeH="0" baseline="0">
+                <a:ln>
+                  <a:noFill/>
+                </a:ln>
+                <a:solidFill>
+                  <a:schemeClr val="tx1"/>
+                </a:solidFill>
+                <a:effectLst/>
+              </a:rPr>
+            </a:br>
+            <a:endParaRPr kumimoji="0" lang="pt-PT" altLang="pt-PT" sz="1800" b="0" i="0" u="none" strike="noStrike" cap="none" normalizeH="0" baseline="0">
+              <a:ln>
+                <a:noFill/>
+              </a:ln>
+              <a:solidFill>
+                <a:schemeClr val="tx1"/>
+              </a:solidFill>
+              <a:effectLst/>
+              <a:latin typeface="Arial" panose="020B0604020202020204" pitchFamily="34" charset="0"/>
+            </a:endParaRPr>
           </a:p>
         </p:txBody>
       </p:sp>
     </p:spTree>
     <p:extLst>
       <p:ext uri="{BB962C8B-B14F-4D97-AF65-F5344CB8AC3E}">
-        <p14:creationId xmlns:p14="http://schemas.microsoft.com/office/powerpoint/2010/main" val="2735618015"/>
+        <p14:creationId xmlns:p14="http://schemas.microsoft.com/office/powerpoint/2010/main" val="3902914257"/>
       </p:ext>
     </p:extLst>
   </p:cSld>
@@ -8844,7 +9970,7 @@
       </p:grpSpPr>
       <p:sp>
         <p:nvSpPr>
-          <p:cNvPr id="311298" name="Rectangle 2"/>
+          <p:cNvPr id="148482" name="Rectangle 2"/>
           <p:cNvSpPr>
             <a:spLocks noGrp="1" noChangeArrowheads="1"/>
           </p:cNvSpPr>
@@ -8855,7 +9981,7 @@
         <p:spPr bwMode="auto">
           <a:xfrm>
             <a:off x="3006330" y="193204"/>
-            <a:ext cx="5310086" cy="420688"/>
+            <a:ext cx="5310086" cy="432048"/>
           </a:xfrm>
           <a:prstGeom prst="rect">
             <a:avLst/>
@@ -8876,8 +10002,17 @@
           <a:lstStyle/>
           <a:p>
             <a:pPr algn="r"/>
+            <a:r>
+              <a:rPr lang="pt-PT" sz="1000" b="1" i="1" dirty="0">
+                <a:solidFill>
+                  <a:srgbClr val="FF0000"/>
+                </a:solidFill>
+                <a:latin typeface="Arial" charset="0"/>
+              </a:rPr>
+              <a:t>SOP-T2-JAV</a:t>
+            </a:r>
             <a:br>
-              <a:rPr lang="pt-PT" sz="1000" b="1" i="1" dirty="0">
+              <a:rPr lang="pt-PT" sz="900" b="1" i="1" dirty="0">
                 <a:solidFill>
                   <a:srgbClr val="FF0000"/>
                 </a:solidFill>
@@ -8885,60 +10020,24 @@
               </a:rPr>
             </a:br>
             <a:r>
-              <a:rPr lang="pt-PT" sz="1800" b="1" i="1" dirty="0">
+              <a:rPr lang="pt-PT" sz="1800" b="1" i="1" cap="small" dirty="0" err="1">
                 <a:solidFill>
                   <a:srgbClr val="FF0000"/>
                 </a:solidFill>
                 <a:latin typeface="Arial" charset="0"/>
               </a:rPr>
-              <a:t>T</a:t>
-            </a:r>
-            <a:r>
-              <a:rPr lang="pt-PT" sz="1600" b="1" i="1" dirty="0">
+              <a:t>Bytecode</a:t>
+            </a:r>
+            <a:r>
+              <a:rPr lang="pt-PT" sz="1800" b="1" i="1" cap="small" dirty="0">
                 <a:solidFill>
                   <a:srgbClr val="FF0000"/>
                 </a:solidFill>
                 <a:latin typeface="Arial" charset="0"/>
               </a:rPr>
-              <a:t>ESTE </a:t>
-            </a:r>
-            <a:r>
-              <a:rPr lang="pt-PT" sz="1800" b="1" i="1" dirty="0">
-                <a:solidFill>
-                  <a:srgbClr val="FF0000"/>
-                </a:solidFill>
-                <a:latin typeface="Arial" charset="0"/>
-              </a:rPr>
-              <a:t>T</a:t>
-            </a:r>
-            <a:r>
-              <a:rPr lang="pt-PT" sz="1600" b="1" i="1" dirty="0">
-                <a:solidFill>
-                  <a:srgbClr val="FF0000"/>
-                </a:solidFill>
-                <a:latin typeface="Arial" charset="0"/>
-              </a:rPr>
-              <a:t>EÓRICO </a:t>
-            </a:r>
-            <a:r>
-              <a:rPr lang="pt-PT" sz="1800" b="1" i="1" dirty="0">
-                <a:solidFill>
-                  <a:srgbClr val="FF0000"/>
-                </a:solidFill>
-                <a:latin typeface="Arial" charset="0"/>
-              </a:rPr>
-              <a:t>O</a:t>
-            </a:r>
-            <a:r>
-              <a:rPr lang="pt-PT" sz="1600" b="1" i="1" dirty="0">
-                <a:solidFill>
-                  <a:srgbClr val="FF0000"/>
-                </a:solidFill>
-                <a:latin typeface="Arial" charset="0"/>
-              </a:rPr>
-              <a:t>NLINE</a:t>
-            </a:r>
-            <a:endParaRPr lang="en-GB" sz="1600" b="1" i="1" dirty="0">
+              <a:t> JVM</a:t>
+            </a:r>
+            <a:endParaRPr lang="pt-PT" sz="1600" b="1" i="1" cap="small" dirty="0">
               <a:solidFill>
                 <a:srgbClr val="FF0000"/>
               </a:solidFill>
@@ -8949,7 +10048,7 @@
       </p:sp>
       <p:sp>
         <p:nvSpPr>
-          <p:cNvPr id="5" name="Rectangle 3"/>
+          <p:cNvPr id="3" name="Rectangle 23"/>
           <p:cNvSpPr>
             <a:spLocks noChangeArrowheads="1"/>
           </p:cNvSpPr>
@@ -8958,7 +10057,7 @@
         <p:spPr bwMode="auto">
           <a:xfrm>
             <a:off x="540000" y="900000"/>
-            <a:ext cx="8064448" cy="3568914"/>
+            <a:ext cx="8280472" cy="4241662"/>
           </a:xfrm>
           <a:prstGeom prst="rect">
             <a:avLst/>
@@ -8978,18 +10077,34 @@
           </a:bodyPr>
           <a:lstStyle/>
           <a:p>
-            <a:pPr algn="l" defTabSz="704085">
+            <a:pPr algn="l" defTabSz="624078">
               <a:lnSpc>
                 <a:spcPct val="120000"/>
               </a:lnSpc>
             </a:pPr>
             <a:r>
               <a:rPr lang="pt-PT" sz="2000" b="0" i="0" dirty="0"/>
-              <a:t>Questionário online em:</a:t>
-            </a:r>
-          </a:p>
-          <a:p>
-            <a:pPr marL="357188" lvl="1" indent="-177800" algn="l" defTabSz="704085">
+              <a:t>Algumas instruções </a:t>
+            </a:r>
+            <a:r>
+              <a:rPr lang="pt-PT" sz="2000" b="0" i="0" dirty="0" err="1"/>
+              <a:t>assembly</a:t>
+            </a:r>
+            <a:r>
+              <a:rPr lang="pt-PT" sz="2000" b="0" i="0" dirty="0"/>
+              <a:t> de </a:t>
+            </a:r>
+            <a:r>
+              <a:rPr lang="pt-PT" sz="2000" b="0" i="0" dirty="0" err="1"/>
+              <a:t>bytecode</a:t>
+            </a:r>
+            <a:r>
+              <a:rPr lang="pt-PT" sz="2000" b="0" i="0" dirty="0"/>
+              <a:t>:</a:t>
+            </a:r>
+          </a:p>
+          <a:p>
+            <a:pPr marL="357188" lvl="1" indent="-177800" algn="just" defTabSz="624078">
               <a:lnSpc>
                 <a:spcPct val="120000"/>
               </a:lnSpc>
@@ -8997,13 +10112,69 @@
               <a:buChar char="Ø"/>
             </a:pPr>
             <a:r>
-              <a:rPr lang="pt-PT" sz="2800" i="0" dirty="0"/>
-              <a:t>http://moodle.utad.pt/</a:t>
-            </a:r>
-            <a:endParaRPr lang="pt-PT" sz="2800" b="0" i="0" dirty="0"/>
-          </a:p>
-          <a:p>
-            <a:pPr marL="357188" lvl="1" indent="-177800" algn="l" defTabSz="704085">
+              <a:rPr lang="pt-PT" sz="1600" b="0" i="0" dirty="0" err="1"/>
+              <a:t>Add</a:t>
+            </a:r>
+            <a:r>
+              <a:rPr lang="pt-PT" sz="1600" b="0" i="0" dirty="0"/>
+              <a:t>: </a:t>
+            </a:r>
+            <a:r>
+              <a:rPr lang="pt-PT" sz="1600" i="0" dirty="0" err="1">
+                <a:latin typeface="Courier New" panose="02070309020205020404" pitchFamily="49" charset="0"/>
+                <a:cs typeface="Courier New" panose="02070309020205020404" pitchFamily="49" charset="0"/>
+              </a:rPr>
+              <a:t>iadd</a:t>
+            </a:r>
+            <a:r>
+              <a:rPr lang="pt-PT" sz="1600" i="0" dirty="0">
+                <a:latin typeface="Courier New" panose="02070309020205020404" pitchFamily="49" charset="0"/>
+                <a:cs typeface="Courier New" panose="02070309020205020404" pitchFamily="49" charset="0"/>
+              </a:rPr>
+              <a:t>, </a:t>
+            </a:r>
+            <a:r>
+              <a:rPr lang="pt-PT" sz="1600" i="0" dirty="0" err="1">
+                <a:latin typeface="Courier New" panose="02070309020205020404" pitchFamily="49" charset="0"/>
+                <a:cs typeface="Courier New" panose="02070309020205020404" pitchFamily="49" charset="0"/>
+              </a:rPr>
+              <a:t>ladd</a:t>
+            </a:r>
+            <a:r>
+              <a:rPr lang="pt-PT" sz="1600" i="0" dirty="0">
+                <a:latin typeface="Courier New" panose="02070309020205020404" pitchFamily="49" charset="0"/>
+                <a:cs typeface="Courier New" panose="02070309020205020404" pitchFamily="49" charset="0"/>
+              </a:rPr>
+              <a:t>, </a:t>
+            </a:r>
+            <a:r>
+              <a:rPr lang="pt-PT" sz="1600" i="0" dirty="0" err="1">
+                <a:latin typeface="Courier New" panose="02070309020205020404" pitchFamily="49" charset="0"/>
+                <a:cs typeface="Courier New" panose="02070309020205020404" pitchFamily="49" charset="0"/>
+              </a:rPr>
+              <a:t>fadd</a:t>
+            </a:r>
+            <a:r>
+              <a:rPr lang="pt-PT" sz="1600" i="0" dirty="0">
+                <a:latin typeface="Courier New" panose="02070309020205020404" pitchFamily="49" charset="0"/>
+                <a:cs typeface="Courier New" panose="02070309020205020404" pitchFamily="49" charset="0"/>
+              </a:rPr>
+              <a:t>, </a:t>
+            </a:r>
+            <a:r>
+              <a:rPr lang="pt-PT" sz="1600" i="0" dirty="0" err="1">
+                <a:latin typeface="Courier New" panose="02070309020205020404" pitchFamily="49" charset="0"/>
+                <a:cs typeface="Courier New" panose="02070309020205020404" pitchFamily="49" charset="0"/>
+              </a:rPr>
+              <a:t>dadd</a:t>
+            </a:r>
+            <a:endParaRPr lang="pt-PT" sz="1600" i="0" dirty="0">
+              <a:latin typeface="Courier New" panose="02070309020205020404" pitchFamily="49" charset="0"/>
+              <a:cs typeface="Courier New" panose="02070309020205020404" pitchFamily="49" charset="0"/>
+            </a:endParaRPr>
+          </a:p>
+          <a:p>
+            <a:pPr marL="357188" lvl="1" indent="-177800" algn="just" defTabSz="624078">
               <a:lnSpc>
                 <a:spcPct val="120000"/>
               </a:lnSpc>
@@ -9011,16 +10182,69 @@
               <a:buChar char="Ø"/>
             </a:pPr>
             <a:r>
-              <a:rPr lang="pt-PT" sz="2800" b="0" i="0" dirty="0"/>
-              <a:t>UC: </a:t>
-            </a:r>
-            <a:r>
-              <a:rPr lang="pt-PT" sz="2800" i="0" dirty="0"/>
-              <a:t>Sistemas Operativos</a:t>
-            </a:r>
-          </a:p>
-          <a:p>
-            <a:pPr marL="357188" lvl="1" indent="-177800" algn="l" defTabSz="704085">
+              <a:rPr lang="pt-PT" sz="1600" b="0" i="0" dirty="0" err="1"/>
+              <a:t>Subtract</a:t>
+            </a:r>
+            <a:r>
+              <a:rPr lang="pt-PT" sz="1600" b="0" i="0" dirty="0"/>
+              <a:t>: </a:t>
+            </a:r>
+            <a:r>
+              <a:rPr lang="pt-PT" sz="1600" i="0" dirty="0" err="1">
+                <a:latin typeface="Courier New" panose="02070309020205020404" pitchFamily="49" charset="0"/>
+                <a:cs typeface="Courier New" panose="02070309020205020404" pitchFamily="49" charset="0"/>
+              </a:rPr>
+              <a:t>isub</a:t>
+            </a:r>
+            <a:r>
+              <a:rPr lang="pt-PT" sz="1600" i="0" dirty="0">
+                <a:latin typeface="Courier New" panose="02070309020205020404" pitchFamily="49" charset="0"/>
+                <a:cs typeface="Courier New" panose="02070309020205020404" pitchFamily="49" charset="0"/>
+              </a:rPr>
+              <a:t>, </a:t>
+            </a:r>
+            <a:r>
+              <a:rPr lang="pt-PT" sz="1600" i="0" dirty="0" err="1">
+                <a:latin typeface="Courier New" panose="02070309020205020404" pitchFamily="49" charset="0"/>
+                <a:cs typeface="Courier New" panose="02070309020205020404" pitchFamily="49" charset="0"/>
+              </a:rPr>
+              <a:t>lsub</a:t>
+            </a:r>
+            <a:r>
+              <a:rPr lang="pt-PT" sz="1600" i="0" dirty="0">
+                <a:latin typeface="Courier New" panose="02070309020205020404" pitchFamily="49" charset="0"/>
+                <a:cs typeface="Courier New" panose="02070309020205020404" pitchFamily="49" charset="0"/>
+              </a:rPr>
+              <a:t>, </a:t>
+            </a:r>
+            <a:r>
+              <a:rPr lang="pt-PT" sz="1600" i="0" dirty="0" err="1">
+                <a:latin typeface="Courier New" panose="02070309020205020404" pitchFamily="49" charset="0"/>
+                <a:cs typeface="Courier New" panose="02070309020205020404" pitchFamily="49" charset="0"/>
+              </a:rPr>
+              <a:t>fsub</a:t>
+            </a:r>
+            <a:r>
+              <a:rPr lang="pt-PT" sz="1600" i="0" dirty="0">
+                <a:latin typeface="Courier New" panose="02070309020205020404" pitchFamily="49" charset="0"/>
+                <a:cs typeface="Courier New" panose="02070309020205020404" pitchFamily="49" charset="0"/>
+              </a:rPr>
+              <a:t>, </a:t>
+            </a:r>
+            <a:r>
+              <a:rPr lang="pt-PT" sz="1600" i="0" dirty="0" err="1">
+                <a:latin typeface="Courier New" panose="02070309020205020404" pitchFamily="49" charset="0"/>
+                <a:cs typeface="Courier New" panose="02070309020205020404" pitchFamily="49" charset="0"/>
+              </a:rPr>
+              <a:t>dsub</a:t>
+            </a:r>
+            <a:endParaRPr lang="pt-PT" sz="1600" i="0" dirty="0">
+              <a:latin typeface="Courier New" panose="02070309020205020404" pitchFamily="49" charset="0"/>
+              <a:cs typeface="Courier New" panose="02070309020205020404" pitchFamily="49" charset="0"/>
+            </a:endParaRPr>
+          </a:p>
+          <a:p>
+            <a:pPr marL="357188" lvl="1" indent="-177800" algn="just" defTabSz="624078">
               <a:lnSpc>
                 <a:spcPct val="120000"/>
               </a:lnSpc>
@@ -9028,16 +10252,69 @@
               <a:buChar char="Ø"/>
             </a:pPr>
             <a:r>
-              <a:rPr lang="pt-PT" sz="2800" b="0" i="0" dirty="0"/>
-              <a:t>Password Geral: </a:t>
-            </a:r>
-            <a:r>
-              <a:rPr lang="pt-PT" sz="2800" i="0" dirty="0"/>
-              <a:t>so2223</a:t>
-            </a:r>
-          </a:p>
-          <a:p>
-            <a:pPr marL="357188" lvl="1" indent="-177800" algn="l" defTabSz="704085">
+              <a:rPr lang="pt-PT" sz="1600" b="0" i="0" dirty="0" err="1"/>
+              <a:t>Multiply</a:t>
+            </a:r>
+            <a:r>
+              <a:rPr lang="pt-PT" sz="1600" b="0" i="0" dirty="0"/>
+              <a:t>: </a:t>
+            </a:r>
+            <a:r>
+              <a:rPr lang="pt-PT" sz="1600" i="0" dirty="0" err="1">
+                <a:latin typeface="Courier New" panose="02070309020205020404" pitchFamily="49" charset="0"/>
+                <a:cs typeface="Courier New" panose="02070309020205020404" pitchFamily="49" charset="0"/>
+              </a:rPr>
+              <a:t>imul</a:t>
+            </a:r>
+            <a:r>
+              <a:rPr lang="pt-PT" sz="1600" i="0" dirty="0">
+                <a:latin typeface="Courier New" panose="02070309020205020404" pitchFamily="49" charset="0"/>
+                <a:cs typeface="Courier New" panose="02070309020205020404" pitchFamily="49" charset="0"/>
+              </a:rPr>
+              <a:t>, </a:t>
+            </a:r>
+            <a:r>
+              <a:rPr lang="pt-PT" sz="1600" i="0" dirty="0" err="1">
+                <a:latin typeface="Courier New" panose="02070309020205020404" pitchFamily="49" charset="0"/>
+                <a:cs typeface="Courier New" panose="02070309020205020404" pitchFamily="49" charset="0"/>
+              </a:rPr>
+              <a:t>lmul</a:t>
+            </a:r>
+            <a:r>
+              <a:rPr lang="pt-PT" sz="1600" i="0" dirty="0">
+                <a:latin typeface="Courier New" panose="02070309020205020404" pitchFamily="49" charset="0"/>
+                <a:cs typeface="Courier New" panose="02070309020205020404" pitchFamily="49" charset="0"/>
+              </a:rPr>
+              <a:t>, </a:t>
+            </a:r>
+            <a:r>
+              <a:rPr lang="pt-PT" sz="1600" i="0" dirty="0" err="1">
+                <a:latin typeface="Courier New" panose="02070309020205020404" pitchFamily="49" charset="0"/>
+                <a:cs typeface="Courier New" panose="02070309020205020404" pitchFamily="49" charset="0"/>
+              </a:rPr>
+              <a:t>fmul</a:t>
+            </a:r>
+            <a:r>
+              <a:rPr lang="pt-PT" sz="1600" i="0" dirty="0">
+                <a:latin typeface="Courier New" panose="02070309020205020404" pitchFamily="49" charset="0"/>
+                <a:cs typeface="Courier New" panose="02070309020205020404" pitchFamily="49" charset="0"/>
+              </a:rPr>
+              <a:t>, </a:t>
+            </a:r>
+            <a:r>
+              <a:rPr lang="pt-PT" sz="1600" i="0" dirty="0" err="1">
+                <a:latin typeface="Courier New" panose="02070309020205020404" pitchFamily="49" charset="0"/>
+                <a:cs typeface="Courier New" panose="02070309020205020404" pitchFamily="49" charset="0"/>
+              </a:rPr>
+              <a:t>dmul</a:t>
+            </a:r>
+            <a:endParaRPr lang="pt-PT" sz="1600" i="0" dirty="0">
+              <a:latin typeface="Courier New" panose="02070309020205020404" pitchFamily="49" charset="0"/>
+              <a:cs typeface="Courier New" panose="02070309020205020404" pitchFamily="49" charset="0"/>
+            </a:endParaRPr>
+          </a:p>
+          <a:p>
+            <a:pPr marL="357188" lvl="1" indent="-177800" algn="just" defTabSz="624078">
               <a:lnSpc>
                 <a:spcPct val="120000"/>
               </a:lnSpc>
@@ -9045,17 +10322,65 @@
               <a:buChar char="Ø"/>
             </a:pPr>
             <a:r>
-              <a:rPr lang="pt-PT" sz="2800" b="0" i="0" dirty="0">
-                <a:solidFill>
-                  <a:srgbClr val="FF0000"/>
-                </a:solidFill>
-              </a:rPr>
-              <a:t>Não conta para nota final.</a:t>
-            </a:r>
-            <a:endParaRPr lang="en-GB" sz="2800" i="0" dirty="0"/>
-          </a:p>
-          <a:p>
-            <a:pPr marL="450850" lvl="1" indent="-271463" algn="l" defTabSz="704085">
+              <a:rPr lang="pt-PT" sz="1600" b="0" i="0" dirty="0"/>
+              <a:t>Divide: </a:t>
+            </a:r>
+            <a:r>
+              <a:rPr lang="pt-PT" sz="1600" i="0" dirty="0" err="1">
+                <a:latin typeface="Courier New" panose="02070309020205020404" pitchFamily="49" charset="0"/>
+                <a:cs typeface="Courier New" panose="02070309020205020404" pitchFamily="49" charset="0"/>
+              </a:rPr>
+              <a:t>idiv</a:t>
+            </a:r>
+            <a:r>
+              <a:rPr lang="pt-PT" sz="1600" i="0" dirty="0">
+                <a:latin typeface="Courier New" panose="02070309020205020404" pitchFamily="49" charset="0"/>
+                <a:cs typeface="Courier New" panose="02070309020205020404" pitchFamily="49" charset="0"/>
+              </a:rPr>
+              <a:t>, </a:t>
+            </a:r>
+            <a:r>
+              <a:rPr lang="pt-PT" sz="1600" i="0" dirty="0" err="1">
+                <a:latin typeface="Courier New" panose="02070309020205020404" pitchFamily="49" charset="0"/>
+                <a:cs typeface="Courier New" panose="02070309020205020404" pitchFamily="49" charset="0"/>
+              </a:rPr>
+              <a:t>ldiv</a:t>
+            </a:r>
+            <a:r>
+              <a:rPr lang="pt-PT" sz="1600" i="0" dirty="0">
+                <a:latin typeface="Courier New" panose="02070309020205020404" pitchFamily="49" charset="0"/>
+                <a:cs typeface="Courier New" panose="02070309020205020404" pitchFamily="49" charset="0"/>
+              </a:rPr>
+              <a:t>, </a:t>
+            </a:r>
+            <a:r>
+              <a:rPr lang="pt-PT" sz="1600" i="0" dirty="0" err="1">
+                <a:latin typeface="Courier New" panose="02070309020205020404" pitchFamily="49" charset="0"/>
+                <a:cs typeface="Courier New" panose="02070309020205020404" pitchFamily="49" charset="0"/>
+              </a:rPr>
+              <a:t>fdiv</a:t>
+            </a:r>
+            <a:r>
+              <a:rPr lang="pt-PT" sz="1600" i="0" dirty="0">
+                <a:latin typeface="Courier New" panose="02070309020205020404" pitchFamily="49" charset="0"/>
+                <a:cs typeface="Courier New" panose="02070309020205020404" pitchFamily="49" charset="0"/>
+              </a:rPr>
+              <a:t>, </a:t>
+            </a:r>
+            <a:r>
+              <a:rPr lang="pt-PT" sz="1600" i="0" dirty="0" err="1">
+                <a:latin typeface="Courier New" panose="02070309020205020404" pitchFamily="49" charset="0"/>
+                <a:cs typeface="Courier New" panose="02070309020205020404" pitchFamily="49" charset="0"/>
+              </a:rPr>
+              <a:t>ddiv</a:t>
+            </a:r>
+            <a:endParaRPr lang="pt-PT" sz="1600" i="0" dirty="0">
+              <a:latin typeface="Courier New" panose="02070309020205020404" pitchFamily="49" charset="0"/>
+              <a:cs typeface="Courier New" panose="02070309020205020404" pitchFamily="49" charset="0"/>
+            </a:endParaRPr>
+          </a:p>
+          <a:p>
+            <a:pPr marL="357188" lvl="1" indent="-177800" algn="just" defTabSz="624078">
               <a:lnSpc>
                 <a:spcPct val="120000"/>
               </a:lnSpc>
@@ -9063,12 +10388,62 @@
               <a:buChar char="Ø"/>
             </a:pPr>
             <a:r>
-              <a:rPr lang="pt-PT" sz="2000" b="0" i="0" dirty="0"/>
-              <a:t>1 conjunto de 3 questões (em 6 possíveis);</a:t>
-            </a:r>
-          </a:p>
-          <a:p>
-            <a:pPr marL="450850" lvl="1" indent="-271463" algn="l" defTabSz="704085">
+              <a:rPr lang="pt-PT" sz="1600" b="0" i="0" dirty="0" err="1"/>
+              <a:t>Remainder</a:t>
+            </a:r>
+            <a:r>
+              <a:rPr lang="pt-PT" sz="1600" b="0" i="0" dirty="0"/>
+              <a:t>: </a:t>
+            </a:r>
+            <a:r>
+              <a:rPr lang="pt-PT" sz="1600" i="0" dirty="0">
+                <a:latin typeface="Courier New" panose="02070309020205020404" pitchFamily="49" charset="0"/>
+                <a:cs typeface="Courier New" panose="02070309020205020404" pitchFamily="49" charset="0"/>
+              </a:rPr>
+              <a:t>irem, </a:t>
+            </a:r>
+            <a:r>
+              <a:rPr lang="pt-PT" sz="1600" i="0" dirty="0" err="1">
+                <a:latin typeface="Courier New" panose="02070309020205020404" pitchFamily="49" charset="0"/>
+                <a:cs typeface="Courier New" panose="02070309020205020404" pitchFamily="49" charset="0"/>
+              </a:rPr>
+              <a:t>lrem</a:t>
+            </a:r>
+            <a:r>
+              <a:rPr lang="pt-PT" sz="1600" i="0" dirty="0">
+                <a:latin typeface="Courier New" panose="02070309020205020404" pitchFamily="49" charset="0"/>
+                <a:cs typeface="Courier New" panose="02070309020205020404" pitchFamily="49" charset="0"/>
+              </a:rPr>
+              <a:t>, </a:t>
+            </a:r>
+            <a:r>
+              <a:rPr lang="pt-PT" sz="1600" i="0" dirty="0" err="1">
+                <a:latin typeface="Courier New" panose="02070309020205020404" pitchFamily="49" charset="0"/>
+                <a:cs typeface="Courier New" panose="02070309020205020404" pitchFamily="49" charset="0"/>
+              </a:rPr>
+              <a:t>frem</a:t>
+            </a:r>
+            <a:r>
+              <a:rPr lang="pt-PT" sz="1600" i="0" dirty="0">
+                <a:latin typeface="Courier New" panose="02070309020205020404" pitchFamily="49" charset="0"/>
+                <a:cs typeface="Courier New" panose="02070309020205020404" pitchFamily="49" charset="0"/>
+              </a:rPr>
+              <a:t>, </a:t>
+            </a:r>
+            <a:r>
+              <a:rPr lang="pt-PT" sz="1600" i="0" dirty="0" err="1">
+                <a:latin typeface="Courier New" panose="02070309020205020404" pitchFamily="49" charset="0"/>
+                <a:cs typeface="Courier New" panose="02070309020205020404" pitchFamily="49" charset="0"/>
+              </a:rPr>
+              <a:t>drem</a:t>
+            </a:r>
+            <a:endParaRPr lang="pt-PT" sz="1600" i="0" dirty="0">
+              <a:latin typeface="Courier New" panose="02070309020205020404" pitchFamily="49" charset="0"/>
+              <a:cs typeface="Courier New" panose="02070309020205020404" pitchFamily="49" charset="0"/>
+            </a:endParaRPr>
+          </a:p>
+          <a:p>
+            <a:pPr marL="357188" lvl="1" indent="-177800" algn="just" defTabSz="624078">
               <a:lnSpc>
                 <a:spcPct val="120000"/>
               </a:lnSpc>
@@ -9076,32 +10451,69 @@
               <a:buChar char="Ø"/>
             </a:pPr>
             <a:r>
-              <a:rPr lang="en-GB" sz="2000" i="0" dirty="0" err="1"/>
-              <a:t>Multiplas</a:t>
-            </a:r>
-            <a:r>
-              <a:rPr lang="en-GB" sz="2000" i="0" dirty="0"/>
-              <a:t> </a:t>
-            </a:r>
-            <a:r>
-              <a:rPr lang="en-GB" sz="2000" i="0" dirty="0" err="1"/>
-              <a:t>tentativas</a:t>
-            </a:r>
-            <a:r>
-              <a:rPr lang="en-GB" sz="2000" i="0" dirty="0"/>
-              <a:t>, sempre </a:t>
-            </a:r>
-            <a:r>
-              <a:rPr lang="en-GB" sz="2000" i="0" dirty="0" err="1"/>
-              <a:t>aberto</a:t>
-            </a:r>
-            <a:r>
-              <a:rPr lang="en-GB" sz="2000" b="0" i="0" dirty="0"/>
-              <a:t>;</a:t>
-            </a:r>
-          </a:p>
-          <a:p>
-            <a:pPr marL="450850" lvl="1" indent="-271463" algn="l" defTabSz="704085">
+              <a:rPr lang="pt-PT" sz="1600" b="0" i="0" dirty="0" err="1"/>
+              <a:t>Negate</a:t>
+            </a:r>
+            <a:r>
+              <a:rPr lang="pt-PT" sz="1600" b="0" i="0" dirty="0"/>
+              <a:t>: </a:t>
+            </a:r>
+            <a:r>
+              <a:rPr lang="pt-PT" sz="1600" i="0" dirty="0" err="1">
+                <a:latin typeface="Courier New" panose="02070309020205020404" pitchFamily="49" charset="0"/>
+                <a:cs typeface="Courier New" panose="02070309020205020404" pitchFamily="49" charset="0"/>
+              </a:rPr>
+              <a:t>ineg</a:t>
+            </a:r>
+            <a:r>
+              <a:rPr lang="pt-PT" sz="1600" i="0" dirty="0">
+                <a:latin typeface="Courier New" panose="02070309020205020404" pitchFamily="49" charset="0"/>
+                <a:cs typeface="Courier New" panose="02070309020205020404" pitchFamily="49" charset="0"/>
+              </a:rPr>
+              <a:t>, </a:t>
+            </a:r>
+            <a:r>
+              <a:rPr lang="pt-PT" sz="1600" i="0" dirty="0" err="1">
+                <a:latin typeface="Courier New" panose="02070309020205020404" pitchFamily="49" charset="0"/>
+                <a:cs typeface="Courier New" panose="02070309020205020404" pitchFamily="49" charset="0"/>
+              </a:rPr>
+              <a:t>lneg</a:t>
+            </a:r>
+            <a:r>
+              <a:rPr lang="pt-PT" sz="1600" i="0" dirty="0">
+                <a:latin typeface="Courier New" panose="02070309020205020404" pitchFamily="49" charset="0"/>
+                <a:cs typeface="Courier New" panose="02070309020205020404" pitchFamily="49" charset="0"/>
+              </a:rPr>
+              <a:t>, </a:t>
+            </a:r>
+            <a:r>
+              <a:rPr lang="pt-PT" sz="1600" i="0" dirty="0" err="1">
+                <a:latin typeface="Courier New" panose="02070309020205020404" pitchFamily="49" charset="0"/>
+                <a:cs typeface="Courier New" panose="02070309020205020404" pitchFamily="49" charset="0"/>
+              </a:rPr>
+              <a:t>fneg</a:t>
+            </a:r>
+            <a:r>
+              <a:rPr lang="pt-PT" sz="1600" i="0" dirty="0">
+                <a:latin typeface="Courier New" panose="02070309020205020404" pitchFamily="49" charset="0"/>
+                <a:cs typeface="Courier New" panose="02070309020205020404" pitchFamily="49" charset="0"/>
+              </a:rPr>
+              <a:t>, </a:t>
+            </a:r>
+            <a:r>
+              <a:rPr lang="pt-PT" sz="1600" i="0" dirty="0" err="1">
+                <a:latin typeface="Courier New" panose="02070309020205020404" pitchFamily="49" charset="0"/>
+                <a:cs typeface="Courier New" panose="02070309020205020404" pitchFamily="49" charset="0"/>
+              </a:rPr>
+              <a:t>dneg</a:t>
+            </a:r>
+            <a:endParaRPr lang="pt-PT" sz="1600" i="0" dirty="0">
+              <a:latin typeface="Courier New" panose="02070309020205020404" pitchFamily="49" charset="0"/>
+              <a:cs typeface="Courier New" panose="02070309020205020404" pitchFamily="49" charset="0"/>
+            </a:endParaRPr>
+          </a:p>
+          <a:p>
+            <a:pPr marL="357188" lvl="1" indent="-177800" algn="just" defTabSz="624078">
               <a:lnSpc>
                 <a:spcPct val="120000"/>
               </a:lnSpc>
@@ -9109,55 +10521,359 @@
               <a:buChar char="Ø"/>
             </a:pPr>
             <a:r>
-              <a:rPr lang="en-GB" sz="2000" b="0" i="0" dirty="0" err="1"/>
-              <a:t>Duração</a:t>
-            </a:r>
-            <a:r>
-              <a:rPr lang="en-GB" sz="2000" b="0" i="0" dirty="0"/>
+              <a:rPr lang="pt-PT" sz="1600" b="0" i="0" dirty="0"/>
+              <a:t>Shift: </a:t>
+            </a:r>
+            <a:r>
+              <a:rPr lang="pt-PT" sz="1600" i="0" dirty="0" err="1">
+                <a:latin typeface="Courier New" panose="02070309020205020404" pitchFamily="49" charset="0"/>
+                <a:cs typeface="Courier New" panose="02070309020205020404" pitchFamily="49" charset="0"/>
+              </a:rPr>
+              <a:t>ishl</a:t>
+            </a:r>
+            <a:r>
+              <a:rPr lang="pt-PT" sz="1600" i="0" dirty="0">
+                <a:latin typeface="Courier New" panose="02070309020205020404" pitchFamily="49" charset="0"/>
+                <a:cs typeface="Courier New" panose="02070309020205020404" pitchFamily="49" charset="0"/>
+              </a:rPr>
+              <a:t>, </a:t>
+            </a:r>
+            <a:r>
+              <a:rPr lang="pt-PT" sz="1600" i="0" dirty="0" err="1">
+                <a:latin typeface="Courier New" panose="02070309020205020404" pitchFamily="49" charset="0"/>
+                <a:cs typeface="Courier New" panose="02070309020205020404" pitchFamily="49" charset="0"/>
+              </a:rPr>
+              <a:t>ishr</a:t>
+            </a:r>
+            <a:r>
+              <a:rPr lang="pt-PT" sz="1600" i="0" dirty="0">
+                <a:latin typeface="Courier New" panose="02070309020205020404" pitchFamily="49" charset="0"/>
+                <a:cs typeface="Courier New" panose="02070309020205020404" pitchFamily="49" charset="0"/>
+              </a:rPr>
+              <a:t>, </a:t>
+            </a:r>
+            <a:r>
+              <a:rPr lang="pt-PT" sz="1600" i="0" dirty="0" err="1">
+                <a:latin typeface="Courier New" panose="02070309020205020404" pitchFamily="49" charset="0"/>
+                <a:cs typeface="Courier New" panose="02070309020205020404" pitchFamily="49" charset="0"/>
+              </a:rPr>
+              <a:t>iushr</a:t>
+            </a:r>
+            <a:r>
+              <a:rPr lang="pt-PT" sz="1600" i="0" dirty="0">
+                <a:latin typeface="Courier New" panose="02070309020205020404" pitchFamily="49" charset="0"/>
+                <a:cs typeface="Courier New" panose="02070309020205020404" pitchFamily="49" charset="0"/>
+              </a:rPr>
+              <a:t>, </a:t>
+            </a:r>
+            <a:r>
+              <a:rPr lang="pt-PT" sz="1600" i="0" dirty="0" err="1">
+                <a:latin typeface="Courier New" panose="02070309020205020404" pitchFamily="49" charset="0"/>
+                <a:cs typeface="Courier New" panose="02070309020205020404" pitchFamily="49" charset="0"/>
+              </a:rPr>
+              <a:t>lshl</a:t>
+            </a:r>
+            <a:r>
+              <a:rPr lang="pt-PT" sz="1600" i="0" dirty="0">
+                <a:latin typeface="Courier New" panose="02070309020205020404" pitchFamily="49" charset="0"/>
+                <a:cs typeface="Courier New" panose="02070309020205020404" pitchFamily="49" charset="0"/>
+              </a:rPr>
+              <a:t>, </a:t>
+            </a:r>
+            <a:r>
+              <a:rPr lang="pt-PT" sz="1600" i="0" dirty="0" err="1">
+                <a:latin typeface="Courier New" panose="02070309020205020404" pitchFamily="49" charset="0"/>
+                <a:cs typeface="Courier New" panose="02070309020205020404" pitchFamily="49" charset="0"/>
+              </a:rPr>
+              <a:t>lshr</a:t>
+            </a:r>
+            <a:r>
+              <a:rPr lang="pt-PT" sz="1600" i="0" dirty="0">
+                <a:latin typeface="Courier New" panose="02070309020205020404" pitchFamily="49" charset="0"/>
+                <a:cs typeface="Courier New" panose="02070309020205020404" pitchFamily="49" charset="0"/>
+              </a:rPr>
+              <a:t>, </a:t>
+            </a:r>
+            <a:r>
+              <a:rPr lang="pt-PT" sz="1600" i="0" dirty="0" err="1">
+                <a:latin typeface="Courier New" panose="02070309020205020404" pitchFamily="49" charset="0"/>
+                <a:cs typeface="Courier New" panose="02070309020205020404" pitchFamily="49" charset="0"/>
+              </a:rPr>
+              <a:t>lushr</a:t>
+            </a:r>
+            <a:endParaRPr lang="pt-PT" sz="1600" i="0" dirty="0">
+              <a:latin typeface="Courier New" panose="02070309020205020404" pitchFamily="49" charset="0"/>
+              <a:cs typeface="Courier New" panose="02070309020205020404" pitchFamily="49" charset="0"/>
+            </a:endParaRPr>
+          </a:p>
+          <a:p>
+            <a:pPr marL="357188" lvl="1" indent="-177800" algn="just" defTabSz="624078">
+              <a:lnSpc>
+                <a:spcPct val="120000"/>
+              </a:lnSpc>
+              <a:buFont typeface="Wingdings" pitchFamily="2" charset="2"/>
+              <a:buChar char="Ø"/>
+            </a:pPr>
+            <a:r>
+              <a:rPr lang="pt-PT" sz="1600" b="0" i="0" dirty="0" err="1"/>
+              <a:t>Bitwise</a:t>
+            </a:r>
+            <a:r>
+              <a:rPr lang="pt-PT" sz="1600" b="0" i="0" dirty="0"/>
+              <a:t> OR: </a:t>
+            </a:r>
+            <a:r>
+              <a:rPr lang="pt-PT" sz="1600" i="0" dirty="0" err="1">
+                <a:latin typeface="Courier New" panose="02070309020205020404" pitchFamily="49" charset="0"/>
+                <a:cs typeface="Courier New" panose="02070309020205020404" pitchFamily="49" charset="0"/>
+              </a:rPr>
+              <a:t>ior</a:t>
+            </a:r>
+            <a:r>
+              <a:rPr lang="pt-PT" sz="1600" i="0" dirty="0">
+                <a:latin typeface="Courier New" panose="02070309020205020404" pitchFamily="49" charset="0"/>
+                <a:cs typeface="Courier New" panose="02070309020205020404" pitchFamily="49" charset="0"/>
+              </a:rPr>
+              <a:t>, </a:t>
+            </a:r>
+            <a:r>
+              <a:rPr lang="pt-PT" sz="1600" i="0" dirty="0" err="1">
+                <a:latin typeface="Courier New" panose="02070309020205020404" pitchFamily="49" charset="0"/>
+                <a:cs typeface="Courier New" panose="02070309020205020404" pitchFamily="49" charset="0"/>
+              </a:rPr>
+              <a:t>lor</a:t>
+            </a:r>
+            <a:endParaRPr lang="pt-PT" sz="1600" i="0" dirty="0">
+              <a:latin typeface="Courier New" panose="02070309020205020404" pitchFamily="49" charset="0"/>
+              <a:cs typeface="Courier New" panose="02070309020205020404" pitchFamily="49" charset="0"/>
+            </a:endParaRPr>
+          </a:p>
+          <a:p>
+            <a:pPr marL="357188" lvl="1" indent="-177800" algn="just" defTabSz="624078">
+              <a:lnSpc>
+                <a:spcPct val="120000"/>
+              </a:lnSpc>
+              <a:buFont typeface="Wingdings" pitchFamily="2" charset="2"/>
+              <a:buChar char="Ø"/>
+            </a:pPr>
+            <a:r>
+              <a:rPr lang="pt-PT" sz="1600" b="0" i="0" dirty="0" err="1"/>
+              <a:t>Bitwise</a:t>
+            </a:r>
+            <a:r>
+              <a:rPr lang="pt-PT" sz="1600" b="0" i="0" dirty="0"/>
+              <a:t> AND: </a:t>
+            </a:r>
+            <a:r>
+              <a:rPr lang="pt-PT" sz="1600" i="0" dirty="0" err="1">
+                <a:latin typeface="Courier New" panose="02070309020205020404" pitchFamily="49" charset="0"/>
+                <a:cs typeface="Courier New" panose="02070309020205020404" pitchFamily="49" charset="0"/>
+              </a:rPr>
+              <a:t>iand</a:t>
+            </a:r>
+            <a:r>
+              <a:rPr lang="pt-PT" sz="1600" i="0" dirty="0">
+                <a:latin typeface="Courier New" panose="02070309020205020404" pitchFamily="49" charset="0"/>
+                <a:cs typeface="Courier New" panose="02070309020205020404" pitchFamily="49" charset="0"/>
+              </a:rPr>
+              <a:t>, </a:t>
+            </a:r>
+            <a:r>
+              <a:rPr lang="pt-PT" sz="1600" i="0" dirty="0" err="1">
+                <a:latin typeface="Courier New" panose="02070309020205020404" pitchFamily="49" charset="0"/>
+                <a:cs typeface="Courier New" panose="02070309020205020404" pitchFamily="49" charset="0"/>
+              </a:rPr>
+              <a:t>land</a:t>
+            </a:r>
+            <a:endParaRPr lang="pt-PT" sz="1600" i="0" dirty="0">
+              <a:latin typeface="Courier New" panose="02070309020205020404" pitchFamily="49" charset="0"/>
+              <a:cs typeface="Courier New" panose="02070309020205020404" pitchFamily="49" charset="0"/>
+            </a:endParaRPr>
+          </a:p>
+          <a:p>
+            <a:pPr marL="357188" lvl="1" indent="-177800" algn="just" defTabSz="624078">
+              <a:lnSpc>
+                <a:spcPct val="120000"/>
+              </a:lnSpc>
+              <a:buFont typeface="Wingdings" pitchFamily="2" charset="2"/>
+              <a:buChar char="Ø"/>
+            </a:pPr>
+            <a:r>
+              <a:rPr lang="pt-PT" sz="1600" b="0" i="0" dirty="0" err="1"/>
+              <a:t>Bitwise</a:t>
+            </a:r>
+            <a:r>
+              <a:rPr lang="pt-PT" sz="1600" b="0" i="0" dirty="0"/>
+              <a:t> exclusive OR: </a:t>
+            </a:r>
+            <a:r>
+              <a:rPr lang="pt-PT" sz="1600" i="0" dirty="0" err="1">
+                <a:latin typeface="Courier New" panose="02070309020205020404" pitchFamily="49" charset="0"/>
+                <a:cs typeface="Courier New" panose="02070309020205020404" pitchFamily="49" charset="0"/>
+              </a:rPr>
+              <a:t>ixor</a:t>
+            </a:r>
+            <a:r>
+              <a:rPr lang="pt-PT" sz="1600" i="0" dirty="0">
+                <a:latin typeface="Courier New" panose="02070309020205020404" pitchFamily="49" charset="0"/>
+                <a:cs typeface="Courier New" panose="02070309020205020404" pitchFamily="49" charset="0"/>
+              </a:rPr>
+              <a:t>, </a:t>
+            </a:r>
+            <a:r>
+              <a:rPr lang="pt-PT" sz="1600" i="0" dirty="0" err="1">
+                <a:latin typeface="Courier New" panose="02070309020205020404" pitchFamily="49" charset="0"/>
+                <a:cs typeface="Courier New" panose="02070309020205020404" pitchFamily="49" charset="0"/>
+              </a:rPr>
+              <a:t>lxor</a:t>
+            </a:r>
+            <a:endParaRPr lang="pt-PT" sz="1600" i="0" dirty="0">
+              <a:latin typeface="Courier New" panose="02070309020205020404" pitchFamily="49" charset="0"/>
+              <a:cs typeface="Courier New" panose="02070309020205020404" pitchFamily="49" charset="0"/>
+            </a:endParaRPr>
+          </a:p>
+          <a:p>
+            <a:pPr marL="357188" lvl="1" indent="-177800" algn="just" defTabSz="624078">
+              <a:lnSpc>
+                <a:spcPct val="120000"/>
+              </a:lnSpc>
+              <a:buFont typeface="Wingdings" pitchFamily="2" charset="2"/>
+              <a:buChar char="Ø"/>
+            </a:pPr>
+            <a:r>
+              <a:rPr lang="pt-PT" sz="1600" b="0" i="0" dirty="0"/>
+              <a:t>Local </a:t>
+            </a:r>
+            <a:r>
+              <a:rPr lang="pt-PT" sz="1600" b="0" i="0" dirty="0" err="1"/>
+              <a:t>variable</a:t>
+            </a:r>
+            <a:r>
+              <a:rPr lang="pt-PT" sz="1600" b="0" i="0" dirty="0"/>
+              <a:t> </a:t>
+            </a:r>
+            <a:r>
+              <a:rPr lang="pt-PT" sz="1600" b="0" i="0" dirty="0" err="1"/>
+              <a:t>increment</a:t>
+            </a:r>
+            <a:r>
+              <a:rPr lang="pt-PT" sz="1600" b="0" i="0" dirty="0"/>
               <a:t>: </a:t>
             </a:r>
             <a:r>
-              <a:rPr lang="en-GB" sz="2000" i="0" dirty="0"/>
-              <a:t>6 </a:t>
-            </a:r>
-            <a:r>
-              <a:rPr lang="en-GB" sz="2000" i="0" dirty="0" err="1"/>
-              <a:t>minutos</a:t>
-            </a:r>
-            <a:r>
-              <a:rPr lang="en-GB" sz="2000" b="0" i="0" dirty="0"/>
-              <a:t>.</a:t>
-            </a:r>
+              <a:rPr lang="pt-PT" sz="1600" i="0" dirty="0" err="1">
+                <a:latin typeface="Courier New" panose="02070309020205020404" pitchFamily="49" charset="0"/>
+                <a:cs typeface="Courier New" panose="02070309020205020404" pitchFamily="49" charset="0"/>
+              </a:rPr>
+              <a:t>iinc</a:t>
+            </a:r>
+            <a:endParaRPr lang="pt-PT" sz="1600" i="0" dirty="0">
+              <a:latin typeface="Courier New" panose="02070309020205020404" pitchFamily="49" charset="0"/>
+              <a:cs typeface="Courier New" panose="02070309020205020404" pitchFamily="49" charset="0"/>
+            </a:endParaRPr>
+          </a:p>
+          <a:p>
+            <a:pPr marL="357188" lvl="1" indent="-177800" algn="just" defTabSz="624078">
+              <a:lnSpc>
+                <a:spcPct val="120000"/>
+              </a:lnSpc>
+              <a:buFont typeface="Wingdings" pitchFamily="2" charset="2"/>
+              <a:buChar char="Ø"/>
+            </a:pPr>
+            <a:r>
+              <a:rPr lang="pt-PT" sz="1600" b="0" i="0" dirty="0" err="1"/>
+              <a:t>Comparison</a:t>
+            </a:r>
+            <a:r>
+              <a:rPr lang="pt-PT" sz="1600" b="0" i="0" dirty="0"/>
+              <a:t>: </a:t>
+            </a:r>
+            <a:r>
+              <a:rPr lang="pt-PT" sz="1600" i="0" dirty="0" err="1">
+                <a:latin typeface="Courier New" panose="02070309020205020404" pitchFamily="49" charset="0"/>
+                <a:cs typeface="Courier New" panose="02070309020205020404" pitchFamily="49" charset="0"/>
+              </a:rPr>
+              <a:t>dcmpg</a:t>
+            </a:r>
+            <a:r>
+              <a:rPr lang="pt-PT" sz="1600" i="0" dirty="0">
+                <a:latin typeface="Courier New" panose="02070309020205020404" pitchFamily="49" charset="0"/>
+                <a:cs typeface="Courier New" panose="02070309020205020404" pitchFamily="49" charset="0"/>
+              </a:rPr>
+              <a:t>, </a:t>
+            </a:r>
+            <a:r>
+              <a:rPr lang="pt-PT" sz="1600" i="0" dirty="0" err="1">
+                <a:latin typeface="Courier New" panose="02070309020205020404" pitchFamily="49" charset="0"/>
+                <a:cs typeface="Courier New" panose="02070309020205020404" pitchFamily="49" charset="0"/>
+              </a:rPr>
+              <a:t>dcmpl</a:t>
+            </a:r>
+            <a:r>
+              <a:rPr lang="pt-PT" sz="1600" i="0" dirty="0">
+                <a:latin typeface="Courier New" panose="02070309020205020404" pitchFamily="49" charset="0"/>
+                <a:cs typeface="Courier New" panose="02070309020205020404" pitchFamily="49" charset="0"/>
+              </a:rPr>
+              <a:t>, </a:t>
+            </a:r>
+            <a:r>
+              <a:rPr lang="pt-PT" sz="1600" i="0" dirty="0" err="1">
+                <a:latin typeface="Courier New" panose="02070309020205020404" pitchFamily="49" charset="0"/>
+                <a:cs typeface="Courier New" panose="02070309020205020404" pitchFamily="49" charset="0"/>
+              </a:rPr>
+              <a:t>fcmpg</a:t>
+            </a:r>
+            <a:r>
+              <a:rPr lang="pt-PT" sz="1600" i="0" dirty="0">
+                <a:latin typeface="Courier New" panose="02070309020205020404" pitchFamily="49" charset="0"/>
+                <a:cs typeface="Courier New" panose="02070309020205020404" pitchFamily="49" charset="0"/>
+              </a:rPr>
+              <a:t>, </a:t>
+            </a:r>
+            <a:r>
+              <a:rPr lang="pt-PT" sz="1600" i="0" dirty="0" err="1">
+                <a:latin typeface="Courier New" panose="02070309020205020404" pitchFamily="49" charset="0"/>
+                <a:cs typeface="Courier New" panose="02070309020205020404" pitchFamily="49" charset="0"/>
+              </a:rPr>
+              <a:t>fcmpl</a:t>
+            </a:r>
+            <a:r>
+              <a:rPr lang="pt-PT" sz="1600" i="0" dirty="0">
+                <a:latin typeface="Courier New" panose="02070309020205020404" pitchFamily="49" charset="0"/>
+                <a:cs typeface="Courier New" panose="02070309020205020404" pitchFamily="49" charset="0"/>
+              </a:rPr>
+              <a:t>, </a:t>
+            </a:r>
+            <a:r>
+              <a:rPr lang="pt-PT" sz="1600" i="0" dirty="0" err="1">
+                <a:latin typeface="Courier New" panose="02070309020205020404" pitchFamily="49" charset="0"/>
+                <a:cs typeface="Courier New" panose="02070309020205020404" pitchFamily="49" charset="0"/>
+              </a:rPr>
+              <a:t>lcmp</a:t>
+            </a:r>
+            <a:endParaRPr lang="pt-PT" sz="1600" i="0" dirty="0">
+              <a:latin typeface="Courier New" panose="02070309020205020404" pitchFamily="49" charset="0"/>
+              <a:cs typeface="Courier New" panose="02070309020205020404" pitchFamily="49" charset="0"/>
+            </a:endParaRPr>
+          </a:p>
+          <a:p>
+            <a:pPr marL="357188" lvl="1" indent="-177800" algn="just" defTabSz="624078">
+              <a:lnSpc>
+                <a:spcPct val="120000"/>
+              </a:lnSpc>
+              <a:buFont typeface="Wingdings" pitchFamily="2" charset="2"/>
+              <a:buChar char="Ø"/>
+            </a:pPr>
+            <a:endParaRPr lang="pt-PT" sz="1600" b="0" i="0" dirty="0"/>
           </a:p>
         </p:txBody>
       </p:sp>
-      <p:pic>
-        <p:nvPicPr>
-          <p:cNvPr id="6" name="Picture 4" descr="anim-opt"/>
-          <p:cNvPicPr>
-            <a:picLocks noChangeAspect="1" noChangeArrowheads="1" noCrop="1"/>
-          </p:cNvPicPr>
-          <p:nvPr/>
-        </p:nvPicPr>
-        <p:blipFill>
-          <a:blip r:embed="rId3" cstate="print"/>
-          <a:srcRect/>
-          <a:stretch>
-            <a:fillRect/>
-          </a:stretch>
-        </p:blipFill>
-        <p:spPr bwMode="auto">
-          <a:xfrm>
-            <a:off x="4734019" y="4777713"/>
-            <a:ext cx="4012406" cy="571500"/>
-          </a:xfrm>
-          <a:prstGeom prst="rect">
-            <a:avLst/>
-          </a:prstGeom>
-          <a:noFill/>
-        </p:spPr>
-      </p:pic>
     </p:spTree>
+    <p:extLst>
+      <p:ext uri="{BB962C8B-B14F-4D97-AF65-F5344CB8AC3E}">
+        <p14:creationId xmlns:p14="http://schemas.microsoft.com/office/powerpoint/2010/main" val="2735618015"/>
+      </p:ext>
+    </p:extLst>
   </p:cSld>
   <p:clrMapOvr>
     <a:masterClrMapping/>
@@ -9199,7 +10915,7 @@
                                           </p:stCondLst>
                                         </p:cTn>
                                         <p:tgtEl>
-                                          <p:spTgt spid="5"/>
+                                          <p:spTgt spid="3"/>
                                         </p:tgtEl>
                                         <p:attrNameLst>
                                           <p:attrName>style.visibility</p:attrName>
@@ -9213,7 +10929,7 @@
                                       <p:cBhvr>
                                         <p:cTn id="7" dur="500"/>
                                         <p:tgtEl>
-                                          <p:spTgt spid="5"/>
+                                          <p:spTgt spid="3"/>
                                         </p:tgtEl>
                                       </p:cBhvr>
                                     </p:animEffect>
@@ -9221,7 +10937,7 @@
                                       <p:cBhvr>
                                         <p:cTn id="8" dur="500" fill="hold"/>
                                         <p:tgtEl>
-                                          <p:spTgt spid="5"/>
+                                          <p:spTgt spid="3"/>
                                         </p:tgtEl>
                                         <p:attrNameLst>
                                           <p:attrName>ppt_x</p:attrName>
@@ -9244,7 +10960,7 @@
                                       <p:cBhvr>
                                         <p:cTn id="9" dur="500" fill="hold"/>
                                         <p:tgtEl>
-                                          <p:spTgt spid="5"/>
+                                          <p:spTgt spid="3"/>
                                         </p:tgtEl>
                                         <p:attrNameLst>
                                           <p:attrName>ppt_y</p:attrName>
@@ -9294,7 +11010,514 @@
       </p:par>
     </p:tnLst>
     <p:bldLst>
-      <p:bldP spid="5" grpId="0"/>
+      <p:bldP spid="3" grpId="0"/>
+    </p:bldLst>
+  </p:timing>
+</p:sld>
+</file>
+
+<file path=ppt/slides/slide9.xml><?xml version="1.0" encoding="utf-8"?>
+<p:sld xmlns:a="http://schemas.openxmlformats.org/drawingml/2006/main" xmlns:r="http://schemas.openxmlformats.org/officeDocument/2006/relationships" xmlns:p="http://schemas.openxmlformats.org/presentationml/2006/main">
+  <p:cSld>
+    <p:spTree>
+      <p:nvGrpSpPr>
+        <p:cNvPr id="1" name=""/>
+        <p:cNvGrpSpPr/>
+        <p:nvPr/>
+      </p:nvGrpSpPr>
+      <p:grpSpPr>
+        <a:xfrm>
+          <a:off x="0" y="0"/>
+          <a:ext cx="0" cy="0"/>
+          <a:chOff x="0" y="0"/>
+          <a:chExt cx="0" cy="0"/>
+        </a:xfrm>
+      </p:grpSpPr>
+      <p:sp>
+        <p:nvSpPr>
+          <p:cNvPr id="148482" name="Rectangle 2"/>
+          <p:cNvSpPr>
+            <a:spLocks noGrp="1" noChangeArrowheads="1"/>
+          </p:cNvSpPr>
+          <p:nvPr>
+            <p:ph type="title" idx="4294967295"/>
+          </p:nvPr>
+        </p:nvSpPr>
+        <p:spPr bwMode="auto">
+          <a:xfrm>
+            <a:off x="3006330" y="193204"/>
+            <a:ext cx="5310086" cy="432048"/>
+          </a:xfrm>
+          <a:prstGeom prst="rect">
+            <a:avLst/>
+          </a:prstGeom>
+          <a:noFill/>
+          <a:ln>
+            <a:miter lim="800000"/>
+            <a:headEnd/>
+            <a:tailEnd/>
+          </a:ln>
+        </p:spPr>
+        <p:txBody>
+          <a:bodyPr vert="horz" wrap="square" lIns="71323" tIns="35662" rIns="71323" bIns="35662" numCol="1" anchor="t" anchorCtr="0" compatLnSpc="1">
+            <a:prstTxWarp prst="textNoShape">
+              <a:avLst/>
+            </a:prstTxWarp>
+          </a:bodyPr>
+          <a:lstStyle/>
+          <a:p>
+            <a:pPr algn="r"/>
+            <a:r>
+              <a:rPr lang="pt-PT" sz="1000" b="1" i="1" dirty="0">
+                <a:solidFill>
+                  <a:srgbClr val="FF0000"/>
+                </a:solidFill>
+                <a:latin typeface="Arial" charset="0"/>
+              </a:rPr>
+              <a:t>SOP-T2-JAV</a:t>
+            </a:r>
+            <a:br>
+              <a:rPr lang="pt-PT" sz="900" b="1" i="1" dirty="0">
+                <a:solidFill>
+                  <a:srgbClr val="FF0000"/>
+                </a:solidFill>
+                <a:latin typeface="Arial" charset="0"/>
+              </a:rPr>
+            </a:br>
+            <a:r>
+              <a:rPr lang="pt-PT" sz="1800" b="1" i="1" cap="small" dirty="0">
+                <a:solidFill>
+                  <a:srgbClr val="FF0000"/>
+                </a:solidFill>
+                <a:latin typeface="Arial" charset="0"/>
+              </a:rPr>
+              <a:t>Particularidades</a:t>
+            </a:r>
+            <a:endParaRPr lang="pt-PT" sz="1600" b="1" i="1" cap="small" dirty="0">
+              <a:solidFill>
+                <a:srgbClr val="FF0000"/>
+              </a:solidFill>
+              <a:latin typeface="Arial" charset="0"/>
+            </a:endParaRPr>
+          </a:p>
+        </p:txBody>
+      </p:sp>
+      <p:sp>
+        <p:nvSpPr>
+          <p:cNvPr id="3" name="Rectangle 23"/>
+          <p:cNvSpPr>
+            <a:spLocks noChangeArrowheads="1"/>
+          </p:cNvSpPr>
+          <p:nvPr/>
+        </p:nvSpPr>
+        <p:spPr bwMode="auto">
+          <a:xfrm>
+            <a:off x="540000" y="900000"/>
+            <a:ext cx="8280472" cy="4241662"/>
+          </a:xfrm>
+          <a:prstGeom prst="rect">
+            <a:avLst/>
+          </a:prstGeom>
+          <a:noFill/>
+          <a:ln w="9525">
+            <a:noFill/>
+            <a:miter lim="800000"/>
+            <a:headEnd/>
+            <a:tailEnd/>
+          </a:ln>
+          <a:effectLst/>
+        </p:spPr>
+        <p:txBody>
+          <a:bodyPr wrap="square" lIns="62408" tIns="31204" rIns="62408" bIns="31204">
+            <a:spAutoFit/>
+          </a:bodyPr>
+          <a:lstStyle/>
+          <a:p>
+            <a:pPr algn="l" defTabSz="624078">
+              <a:lnSpc>
+                <a:spcPct val="120000"/>
+              </a:lnSpc>
+            </a:pPr>
+            <a:r>
+              <a:rPr lang="pt-PT" sz="2000" b="0" i="0" dirty="0"/>
+              <a:t>Outras observações:</a:t>
+            </a:r>
+          </a:p>
+          <a:p>
+            <a:pPr marL="357188" lvl="1" indent="-177800" algn="just" defTabSz="624078">
+              <a:lnSpc>
+                <a:spcPct val="120000"/>
+              </a:lnSpc>
+              <a:buFont typeface="Wingdings" pitchFamily="2" charset="2"/>
+              <a:buChar char="Ø"/>
+            </a:pPr>
+            <a:r>
+              <a:rPr lang="pt-PT" sz="1600" b="0" i="0" dirty="0"/>
+              <a:t>Matrizes com “</a:t>
+            </a:r>
+            <a:r>
+              <a:rPr lang="pt-PT" sz="1600" b="0" dirty="0" err="1"/>
+              <a:t>Bounds</a:t>
+            </a:r>
+            <a:r>
+              <a:rPr lang="pt-PT" sz="1600" b="0" dirty="0"/>
+              <a:t> </a:t>
+            </a:r>
+            <a:r>
+              <a:rPr lang="pt-PT" sz="1600" b="0" dirty="0" err="1"/>
+              <a:t>checking</a:t>
+            </a:r>
+            <a:r>
+              <a:rPr lang="pt-PT" sz="1600" b="0" i="0" dirty="0"/>
+              <a:t>”;</a:t>
+            </a:r>
+          </a:p>
+          <a:p>
+            <a:pPr marL="357188" lvl="1" indent="-177800" algn="just" defTabSz="624078">
+              <a:lnSpc>
+                <a:spcPct val="120000"/>
+              </a:lnSpc>
+              <a:buFont typeface="Wingdings" pitchFamily="2" charset="2"/>
+              <a:buChar char="Ø"/>
+            </a:pPr>
+            <a:r>
+              <a:rPr lang="pt-PT" sz="1600" b="0" i="0" dirty="0"/>
+              <a:t>Apontadores “Não existem” (sem referência explícita no código Java ou com aritmética de apontadores);</a:t>
+            </a:r>
+          </a:p>
+          <a:p>
+            <a:pPr marL="357188" lvl="1" indent="-177800" algn="just" defTabSz="624078">
+              <a:lnSpc>
+                <a:spcPct val="120000"/>
+              </a:lnSpc>
+              <a:buFont typeface="Wingdings" pitchFamily="2" charset="2"/>
+              <a:buChar char="Ø"/>
+            </a:pPr>
+            <a:r>
+              <a:rPr lang="pt-PT" sz="1600" b="0" i="0" dirty="0"/>
+              <a:t>“</a:t>
+            </a:r>
+            <a:r>
+              <a:rPr lang="pt-PT" sz="1600" b="0" dirty="0" err="1"/>
+              <a:t>Write</a:t>
+            </a:r>
+            <a:r>
+              <a:rPr lang="pt-PT" sz="1600" b="0" dirty="0"/>
+              <a:t> </a:t>
+            </a:r>
+            <a:r>
+              <a:rPr lang="pt-PT" sz="1600" b="0" dirty="0" err="1"/>
+              <a:t>once</a:t>
+            </a:r>
+            <a:r>
+              <a:rPr lang="pt-PT" sz="1600" b="0" dirty="0"/>
+              <a:t> </a:t>
+            </a:r>
+            <a:r>
+              <a:rPr lang="pt-PT" sz="1600" b="0" dirty="0" err="1"/>
+              <a:t>run</a:t>
+            </a:r>
+            <a:r>
+              <a:rPr lang="pt-PT" sz="1600" b="0" dirty="0"/>
+              <a:t> </a:t>
+            </a:r>
+            <a:r>
+              <a:rPr lang="pt-PT" sz="1600" b="0" dirty="0" err="1"/>
+              <a:t>anywhere</a:t>
+            </a:r>
+            <a:r>
+              <a:rPr lang="pt-PT" sz="1600" b="0" i="0" dirty="0"/>
+              <a:t>”, utilizando bibliotecas standards e interface standard;</a:t>
+            </a:r>
+          </a:p>
+          <a:p>
+            <a:pPr marL="357188" lvl="1" indent="-177800" algn="just" defTabSz="624078">
+              <a:lnSpc>
+                <a:spcPct val="120000"/>
+              </a:lnSpc>
+              <a:buFont typeface="Wingdings" pitchFamily="2" charset="2"/>
+              <a:buChar char="Ø"/>
+            </a:pPr>
+            <a:r>
+              <a:rPr lang="pt-PT" sz="1600" b="0" i="0" dirty="0"/>
+              <a:t>Eficiência similar ao C/C++ principalmente com dados primitivos;</a:t>
+            </a:r>
+          </a:p>
+          <a:p>
+            <a:pPr marL="357188" lvl="1" indent="-177800" algn="just" defTabSz="624078">
+              <a:lnSpc>
+                <a:spcPct val="120000"/>
+              </a:lnSpc>
+              <a:buFont typeface="Wingdings" pitchFamily="2" charset="2"/>
+              <a:buChar char="Ø"/>
+            </a:pPr>
+            <a:r>
+              <a:rPr lang="pt-PT" sz="1600" b="0" i="0" dirty="0"/>
+              <a:t>Tratamento de erros via exceções (mais elegante);</a:t>
+            </a:r>
+          </a:p>
+          <a:p>
+            <a:pPr marL="357188" lvl="1" indent="-177800" algn="just" defTabSz="624078">
+              <a:lnSpc>
+                <a:spcPct val="120000"/>
+              </a:lnSpc>
+              <a:buFont typeface="Wingdings" pitchFamily="2" charset="2"/>
+              <a:buChar char="Ø"/>
+            </a:pPr>
+            <a:r>
+              <a:rPr lang="pt-PT" sz="1600" b="0" i="0" dirty="0"/>
+              <a:t>É possível integrar com outras linguagens via interfaces nativas (quebra portabilidade);</a:t>
+            </a:r>
+          </a:p>
+          <a:p>
+            <a:pPr marL="357188" lvl="1" indent="-177800" algn="just" defTabSz="624078">
+              <a:lnSpc>
+                <a:spcPct val="120000"/>
+              </a:lnSpc>
+              <a:buFont typeface="Wingdings" pitchFamily="2" charset="2"/>
+              <a:buChar char="Ø"/>
+            </a:pPr>
+            <a:r>
+              <a:rPr lang="pt-PT" sz="1600" b="0" i="0" dirty="0"/>
+              <a:t>Existiu um </a:t>
+            </a:r>
+            <a:r>
+              <a:rPr lang="pt-PT" sz="1600" b="0" i="0" dirty="0" err="1"/>
+              <a:t>JavaOS</a:t>
+            </a:r>
+            <a:r>
+              <a:rPr lang="pt-PT" sz="1600" b="0" i="0" dirty="0"/>
+              <a:t>, mas foi descontinuado;</a:t>
+            </a:r>
+          </a:p>
+          <a:p>
+            <a:pPr marL="357188" lvl="1" indent="-177800" algn="just" defTabSz="624078">
+              <a:lnSpc>
+                <a:spcPct val="120000"/>
+              </a:lnSpc>
+              <a:buFont typeface="Wingdings" pitchFamily="2" charset="2"/>
+              <a:buChar char="Ø"/>
+            </a:pPr>
+            <a:r>
+              <a:rPr lang="pt-PT" sz="1600" b="0" i="0" dirty="0"/>
+              <a:t>JRE (</a:t>
+            </a:r>
+            <a:r>
+              <a:rPr lang="pt-PT" sz="1600" b="0" dirty="0"/>
+              <a:t>Java </a:t>
+            </a:r>
+            <a:r>
+              <a:rPr lang="pt-PT" sz="1600" b="0" dirty="0" err="1"/>
+              <a:t>Runtime</a:t>
+            </a:r>
+            <a:r>
+              <a:rPr lang="pt-PT" sz="1600" b="0" dirty="0"/>
+              <a:t> </a:t>
+            </a:r>
+            <a:r>
+              <a:rPr lang="pt-PT" sz="1600" b="0" dirty="0" err="1"/>
+              <a:t>Environment</a:t>
+            </a:r>
+            <a:r>
+              <a:rPr lang="pt-PT" sz="1600" b="0" i="0" dirty="0"/>
+              <a:t>): Contém a máquina virtual e bibliotecas standards para executar aplicações;</a:t>
+            </a:r>
+          </a:p>
+          <a:p>
+            <a:pPr marL="357188" lvl="1" indent="-177800" algn="just" defTabSz="624078">
+              <a:lnSpc>
+                <a:spcPct val="120000"/>
+              </a:lnSpc>
+              <a:buFont typeface="Wingdings" pitchFamily="2" charset="2"/>
+              <a:buChar char="Ø"/>
+            </a:pPr>
+            <a:r>
+              <a:rPr lang="pt-PT" sz="1600" b="0" i="0" dirty="0"/>
+              <a:t>JDK (</a:t>
+            </a:r>
+            <a:r>
+              <a:rPr lang="pt-PT" sz="1600" b="0" dirty="0"/>
+              <a:t>Java </a:t>
+            </a:r>
+            <a:r>
+              <a:rPr lang="pt-PT" sz="1600" b="0" dirty="0" err="1"/>
+              <a:t>Development</a:t>
+            </a:r>
+            <a:r>
+              <a:rPr lang="pt-PT" sz="1600" b="0" dirty="0"/>
+              <a:t> Kit</a:t>
+            </a:r>
+            <a:r>
+              <a:rPr lang="pt-PT" sz="1600" b="0" i="0" dirty="0"/>
+              <a:t>): Tudo do JRE, acrescentando ferramentas de desenvolvimento (e.g. compilador);</a:t>
+            </a:r>
+          </a:p>
+          <a:p>
+            <a:pPr marL="357188" lvl="1" indent="-177800" algn="just" defTabSz="624078">
+              <a:lnSpc>
+                <a:spcPct val="120000"/>
+              </a:lnSpc>
+              <a:buFont typeface="Wingdings" pitchFamily="2" charset="2"/>
+              <a:buChar char="Ø"/>
+            </a:pPr>
+            <a:r>
+              <a:rPr lang="pt-PT" sz="1600" b="0" i="0" dirty="0"/>
+              <a:t>Existem alternativas ao JDK da Oracle, como o </a:t>
+            </a:r>
+            <a:r>
+              <a:rPr lang="pt-PT" sz="1600" b="0" i="0" dirty="0" err="1"/>
+              <a:t>OpenJDK</a:t>
+            </a:r>
+            <a:r>
+              <a:rPr lang="pt-PT" sz="1600" b="0" i="0" dirty="0"/>
+              <a:t>.</a:t>
+            </a:r>
+          </a:p>
+        </p:txBody>
+      </p:sp>
+    </p:spTree>
+    <p:extLst>
+      <p:ext uri="{BB962C8B-B14F-4D97-AF65-F5344CB8AC3E}">
+        <p14:creationId xmlns:p14="http://schemas.microsoft.com/office/powerpoint/2010/main" val="1641025989"/>
+      </p:ext>
+    </p:extLst>
+  </p:cSld>
+  <p:clrMapOvr>
+    <a:masterClrMapping/>
+  </p:clrMapOvr>
+  <p:timing>
+    <p:tnLst>
+      <p:par>
+        <p:cTn id="1" dur="indefinite" restart="never" nodeType="tmRoot">
+          <p:childTnLst>
+            <p:seq concurrent="1" nextAc="seek">
+              <p:cTn id="2" dur="indefinite" nodeType="mainSeq">
+                <p:childTnLst>
+                  <p:par>
+                    <p:cTn id="3" fill="hold">
+                      <p:stCondLst>
+                        <p:cond delay="indefinite"/>
+                        <p:cond evt="onBegin" delay="0">
+                          <p:tn val="2"/>
+                        </p:cond>
+                      </p:stCondLst>
+                      <p:childTnLst>
+                        <p:par>
+                          <p:cTn id="4" fill="hold">
+                            <p:stCondLst>
+                              <p:cond delay="0"/>
+                            </p:stCondLst>
+                            <p:childTnLst>
+                              <p:par>
+                                <p:cTn id="5" presetID="42" presetClass="entr" presetSubtype="0" fill="hold" grpId="0" nodeType="afterEffect">
+                                  <p:stCondLst>
+                                    <p:cond delay="0"/>
+                                  </p:stCondLst>
+                                  <p:childTnLst>
+                                    <p:set>
+                                      <p:cBhvr>
+                                        <p:cTn id="6" dur="1" fill="hold">
+                                          <p:stCondLst>
+                                            <p:cond delay="0"/>
+                                          </p:stCondLst>
+                                        </p:cTn>
+                                        <p:tgtEl>
+                                          <p:spTgt spid="3"/>
+                                        </p:tgtEl>
+                                        <p:attrNameLst>
+                                          <p:attrName>style.visibility</p:attrName>
+                                        </p:attrNameLst>
+                                      </p:cBhvr>
+                                      <p:to>
+                                        <p:strVal val="visible"/>
+                                      </p:to>
+                                    </p:set>
+                                    <p:animEffect transition="in" filter="fade">
+                                      <p:cBhvr>
+                                        <p:cTn id="7" dur="500"/>
+                                        <p:tgtEl>
+                                          <p:spTgt spid="3"/>
+                                        </p:tgtEl>
+                                      </p:cBhvr>
+                                    </p:animEffect>
+                                    <p:anim calcmode="lin" valueType="num">
+                                      <p:cBhvr>
+                                        <p:cTn id="8" dur="500" fill="hold"/>
+                                        <p:tgtEl>
+                                          <p:spTgt spid="3"/>
+                                        </p:tgtEl>
+                                        <p:attrNameLst>
+                                          <p:attrName>ppt_x</p:attrName>
+                                        </p:attrNameLst>
+                                      </p:cBhvr>
+                                      <p:tavLst>
+                                        <p:tav tm="0">
+                                          <p:val>
+                                            <p:strVal val="#ppt_x"/>
+                                          </p:val>
+                                        </p:tav>
+                                        <p:tav tm="100000">
+                                          <p:val>
+                                            <p:strVal val="#ppt_x"/>
+                                          </p:val>
+                                        </p:tav>
+                                      </p:tavLst>
+                                    </p:anim>
+                                    <p:anim calcmode="lin" valueType="num">
+                                      <p:cBhvr>
+                                        <p:cTn id="9" dur="500" fill="hold"/>
+                                        <p:tgtEl>
+                                          <p:spTgt spid="3"/>
+                                        </p:tgtEl>
+                                        <p:attrNameLst>
+                                          <p:attrName>ppt_y</p:attrName>
+                                        </p:attrNameLst>
+                                      </p:cBhvr>
+                                      <p:tavLst>
+                                        <p:tav tm="0">
+                                          <p:val>
+                                            <p:strVal val="#ppt_y+.1"/>
+                                          </p:val>
+                                        </p:tav>
+                                        <p:tav tm="100000">
+                                          <p:val>
+                                            <p:strVal val="#ppt_y"/>
+                                          </p:val>
+                                        </p:tav>
+                                      </p:tavLst>
+                                    </p:anim>
+                                  </p:childTnLst>
+                                </p:cTn>
+                              </p:par>
+                            </p:childTnLst>
+                          </p:cTn>
+                        </p:par>
+                      </p:childTnLst>
+                    </p:cTn>
+                  </p:par>
+                </p:childTnLst>
+              </p:cTn>
+              <p:prevCondLst>
+                <p:cond evt="onPrev" delay="0">
+                  <p:tgtEl>
+                    <p:sldTgt/>
+                  </p:tgtEl>
+                </p:cond>
+              </p:prevCondLst>
+              <p:nextCondLst>
+                <p:cond evt="onNext" delay="0">
+                  <p:tgtEl>
+                    <p:sldTgt/>
+                  </p:tgtEl>
+                </p:cond>
+              </p:nextCondLst>
+            </p:seq>
+          </p:childTnLst>
+        </p:cTn>
+      </p:par>
+    </p:tnLst>
+    <p:bldLst>
+      <p:bldP spid="3" grpId="0"/>
     </p:bldLst>
   </p:timing>
 </p:sld>
